--- a/1_Dokumentation/Zeichnungen/ElekAufbau_Bauteile.pptx
+++ b/1_Dokumentation/Zeichnungen/ElekAufbau_Bauteile.pptx
@@ -6,6 +6,8 @@
   </p:sldMasterIdLst>
   <p:sldIdLst>
     <p:sldId id="256" r:id="rId2"/>
+    <p:sldId id="257" r:id="rId3"/>
+    <p:sldId id="258" r:id="rId4"/>
   </p:sldIdLst>
   <p:sldSz cx="12192000" cy="6858000"/>
   <p:notesSz cx="6858000" cy="9144000"/>
@@ -104,6 +106,11 @@
       </a:defRPr>
     </a:lvl9pPr>
   </p:defaultTextStyle>
+  <p:extLst>
+    <p:ext uri="{EFAFB233-063F-42B5-8137-9DF3F51BA10A}">
+      <p15:sldGuideLst xmlns:p15="http://schemas.microsoft.com/office/powerpoint/2012/main"/>
+    </p:ext>
+  </p:extLst>
 </p:presentation>
 </file>
 
@@ -238,7 +245,7 @@
           <a:p>
             <a:fld id="{4A3291DD-BA85-4B73-8363-4DDCA85994F9}" type="datetimeFigureOut">
               <a:rPr lang="de-DE" smtClean="0"/>
-              <a:t>16.09.2016</a:t>
+              <a:t>12.10.2016</a:t>
             </a:fld>
             <a:endParaRPr lang="de-DE"/>
           </a:p>
@@ -408,7 +415,7 @@
           <a:p>
             <a:fld id="{4A3291DD-BA85-4B73-8363-4DDCA85994F9}" type="datetimeFigureOut">
               <a:rPr lang="de-DE" smtClean="0"/>
-              <a:t>16.09.2016</a:t>
+              <a:t>12.10.2016</a:t>
             </a:fld>
             <a:endParaRPr lang="de-DE"/>
           </a:p>
@@ -588,7 +595,7 @@
           <a:p>
             <a:fld id="{4A3291DD-BA85-4B73-8363-4DDCA85994F9}" type="datetimeFigureOut">
               <a:rPr lang="de-DE" smtClean="0"/>
-              <a:t>16.09.2016</a:t>
+              <a:t>12.10.2016</a:t>
             </a:fld>
             <a:endParaRPr lang="de-DE"/>
           </a:p>
@@ -758,7 +765,7 @@
           <a:p>
             <a:fld id="{4A3291DD-BA85-4B73-8363-4DDCA85994F9}" type="datetimeFigureOut">
               <a:rPr lang="de-DE" smtClean="0"/>
-              <a:t>16.09.2016</a:t>
+              <a:t>12.10.2016</a:t>
             </a:fld>
             <a:endParaRPr lang="de-DE"/>
           </a:p>
@@ -1004,7 +1011,7 @@
           <a:p>
             <a:fld id="{4A3291DD-BA85-4B73-8363-4DDCA85994F9}" type="datetimeFigureOut">
               <a:rPr lang="de-DE" smtClean="0"/>
-              <a:t>16.09.2016</a:t>
+              <a:t>12.10.2016</a:t>
             </a:fld>
             <a:endParaRPr lang="de-DE"/>
           </a:p>
@@ -1236,7 +1243,7 @@
           <a:p>
             <a:fld id="{4A3291DD-BA85-4B73-8363-4DDCA85994F9}" type="datetimeFigureOut">
               <a:rPr lang="de-DE" smtClean="0"/>
-              <a:t>16.09.2016</a:t>
+              <a:t>12.10.2016</a:t>
             </a:fld>
             <a:endParaRPr lang="de-DE"/>
           </a:p>
@@ -1603,7 +1610,7 @@
           <a:p>
             <a:fld id="{4A3291DD-BA85-4B73-8363-4DDCA85994F9}" type="datetimeFigureOut">
               <a:rPr lang="de-DE" smtClean="0"/>
-              <a:t>16.09.2016</a:t>
+              <a:t>12.10.2016</a:t>
             </a:fld>
             <a:endParaRPr lang="de-DE"/>
           </a:p>
@@ -1721,7 +1728,7 @@
           <a:p>
             <a:fld id="{4A3291DD-BA85-4B73-8363-4DDCA85994F9}" type="datetimeFigureOut">
               <a:rPr lang="de-DE" smtClean="0"/>
-              <a:t>16.09.2016</a:t>
+              <a:t>12.10.2016</a:t>
             </a:fld>
             <a:endParaRPr lang="de-DE"/>
           </a:p>
@@ -1816,7 +1823,7 @@
           <a:p>
             <a:fld id="{4A3291DD-BA85-4B73-8363-4DDCA85994F9}" type="datetimeFigureOut">
               <a:rPr lang="de-DE" smtClean="0"/>
-              <a:t>16.09.2016</a:t>
+              <a:t>12.10.2016</a:t>
             </a:fld>
             <a:endParaRPr lang="de-DE"/>
           </a:p>
@@ -2093,7 +2100,7 @@
           <a:p>
             <a:fld id="{4A3291DD-BA85-4B73-8363-4DDCA85994F9}" type="datetimeFigureOut">
               <a:rPr lang="de-DE" smtClean="0"/>
-              <a:t>16.09.2016</a:t>
+              <a:t>12.10.2016</a:t>
             </a:fld>
             <a:endParaRPr lang="de-DE"/>
           </a:p>
@@ -2346,7 +2353,7 @@
           <a:p>
             <a:fld id="{4A3291DD-BA85-4B73-8363-4DDCA85994F9}" type="datetimeFigureOut">
               <a:rPr lang="de-DE" smtClean="0"/>
-              <a:t>16.09.2016</a:t>
+              <a:t>12.10.2016</a:t>
             </a:fld>
             <a:endParaRPr lang="de-DE"/>
           </a:p>
@@ -2559,7 +2566,7 @@
           <a:p>
             <a:fld id="{4A3291DD-BA85-4B73-8363-4DDCA85994F9}" type="datetimeFigureOut">
               <a:rPr lang="de-DE" smtClean="0"/>
-              <a:t>16.09.2016</a:t>
+              <a:t>12.10.2016</a:t>
             </a:fld>
             <a:endParaRPr lang="de-DE"/>
           </a:p>
@@ -3934,6 +3941,442 @@
               </a:rPr>
               <a:t>C</a:t>
             </a:r>
+          </a:p>
+        </p:txBody>
+      </p:sp>
+      <p:sp>
+        <p:nvSpPr>
+          <p:cNvPr id="53" name="Rechteck 52"/>
+          <p:cNvSpPr/>
+          <p:nvPr/>
+        </p:nvSpPr>
+        <p:spPr>
+          <a:xfrm>
+            <a:off x="1701989" y="2300208"/>
+            <a:ext cx="1071688" cy="342614"/>
+          </a:xfrm>
+          <a:prstGeom prst="rect">
+            <a:avLst/>
+          </a:prstGeom>
+          <a:solidFill>
+            <a:schemeClr val="bg1"/>
+          </a:solidFill>
+          <a:ln w="19050">
+            <a:solidFill>
+              <a:schemeClr val="tx1"/>
+            </a:solidFill>
+          </a:ln>
+        </p:spPr>
+        <p:style>
+          <a:lnRef idx="2">
+            <a:schemeClr val="accent1">
+              <a:shade val="50000"/>
+            </a:schemeClr>
+          </a:lnRef>
+          <a:fillRef idx="1">
+            <a:schemeClr val="accent1"/>
+          </a:fillRef>
+          <a:effectRef idx="0">
+            <a:schemeClr val="accent1"/>
+          </a:effectRef>
+          <a:fontRef idx="minor">
+            <a:schemeClr val="lt1"/>
+          </a:fontRef>
+        </p:style>
+        <p:txBody>
+          <a:bodyPr rtlCol="0" anchor="ctr"/>
+          <a:lstStyle/>
+          <a:p>
+            <a:pPr algn="ctr"/>
+            <a:r>
+              <a:rPr lang="de-DE" dirty="0" smtClean="0">
+                <a:solidFill>
+                  <a:srgbClr val="002060"/>
+                </a:solidFill>
+              </a:rPr>
+              <a:t>GPIO</a:t>
+            </a:r>
+          </a:p>
+        </p:txBody>
+      </p:sp>
+      <p:sp>
+        <p:nvSpPr>
+          <p:cNvPr id="54" name="Rechteck 53"/>
+          <p:cNvSpPr/>
+          <p:nvPr/>
+        </p:nvSpPr>
+        <p:spPr>
+          <a:xfrm>
+            <a:off x="2773676" y="2300208"/>
+            <a:ext cx="1529261" cy="342614"/>
+          </a:xfrm>
+          <a:prstGeom prst="rect">
+            <a:avLst/>
+          </a:prstGeom>
+          <a:solidFill>
+            <a:schemeClr val="bg1"/>
+          </a:solidFill>
+          <a:ln w="19050">
+            <a:solidFill>
+              <a:schemeClr val="tx1"/>
+            </a:solidFill>
+          </a:ln>
+        </p:spPr>
+        <p:style>
+          <a:lnRef idx="2">
+            <a:schemeClr val="accent1">
+              <a:shade val="50000"/>
+            </a:schemeClr>
+          </a:lnRef>
+          <a:fillRef idx="1">
+            <a:schemeClr val="accent1"/>
+          </a:fillRef>
+          <a:effectRef idx="0">
+            <a:schemeClr val="accent1"/>
+          </a:effectRef>
+          <a:fontRef idx="minor">
+            <a:schemeClr val="lt1"/>
+          </a:fontRef>
+        </p:style>
+        <p:txBody>
+          <a:bodyPr rtlCol="0" anchor="ctr"/>
+          <a:lstStyle/>
+          <a:p>
+            <a:pPr algn="ctr"/>
+            <a:r>
+              <a:rPr lang="de-DE" dirty="0" smtClean="0">
+                <a:solidFill>
+                  <a:srgbClr val="002060"/>
+                </a:solidFill>
+              </a:rPr>
+              <a:t>GPIO</a:t>
+            </a:r>
+          </a:p>
+        </p:txBody>
+      </p:sp>
+      <p:sp>
+        <p:nvSpPr>
+          <p:cNvPr id="55" name="Rechteck 54"/>
+          <p:cNvSpPr/>
+          <p:nvPr/>
+        </p:nvSpPr>
+        <p:spPr>
+          <a:xfrm>
+            <a:off x="4302937" y="2300207"/>
+            <a:ext cx="1491917" cy="342614"/>
+          </a:xfrm>
+          <a:prstGeom prst="rect">
+            <a:avLst/>
+          </a:prstGeom>
+          <a:solidFill>
+            <a:schemeClr val="bg1"/>
+          </a:solidFill>
+          <a:ln w="19050">
+            <a:solidFill>
+              <a:schemeClr val="tx1"/>
+            </a:solidFill>
+          </a:ln>
+        </p:spPr>
+        <p:style>
+          <a:lnRef idx="2">
+            <a:schemeClr val="accent1">
+              <a:shade val="50000"/>
+            </a:schemeClr>
+          </a:lnRef>
+          <a:fillRef idx="1">
+            <a:schemeClr val="accent1"/>
+          </a:fillRef>
+          <a:effectRef idx="0">
+            <a:schemeClr val="accent1"/>
+          </a:effectRef>
+          <a:fontRef idx="minor">
+            <a:schemeClr val="lt1"/>
+          </a:fontRef>
+        </p:style>
+        <p:txBody>
+          <a:bodyPr rtlCol="0" anchor="ctr"/>
+          <a:lstStyle/>
+          <a:p>
+            <a:pPr algn="ctr"/>
+            <a:r>
+              <a:rPr lang="de-DE" dirty="0" smtClean="0">
+                <a:solidFill>
+                  <a:srgbClr val="002060"/>
+                </a:solidFill>
+              </a:rPr>
+              <a:t>PWM</a:t>
+            </a:r>
+          </a:p>
+        </p:txBody>
+      </p:sp>
+      <p:sp>
+        <p:nvSpPr>
+          <p:cNvPr id="56" name="Rechteck 55"/>
+          <p:cNvSpPr/>
+          <p:nvPr/>
+        </p:nvSpPr>
+        <p:spPr>
+          <a:xfrm>
+            <a:off x="5783759" y="2300208"/>
+            <a:ext cx="1491917" cy="342614"/>
+          </a:xfrm>
+          <a:prstGeom prst="rect">
+            <a:avLst/>
+          </a:prstGeom>
+          <a:solidFill>
+            <a:schemeClr val="bg1"/>
+          </a:solidFill>
+          <a:ln w="19050">
+            <a:solidFill>
+              <a:schemeClr val="tx1"/>
+            </a:solidFill>
+          </a:ln>
+        </p:spPr>
+        <p:style>
+          <a:lnRef idx="2">
+            <a:schemeClr val="accent1">
+              <a:shade val="50000"/>
+            </a:schemeClr>
+          </a:lnRef>
+          <a:fillRef idx="1">
+            <a:schemeClr val="accent1"/>
+          </a:fillRef>
+          <a:effectRef idx="0">
+            <a:schemeClr val="accent1"/>
+          </a:effectRef>
+          <a:fontRef idx="minor">
+            <a:schemeClr val="lt1"/>
+          </a:fontRef>
+        </p:style>
+        <p:txBody>
+          <a:bodyPr rtlCol="0" anchor="ctr"/>
+          <a:lstStyle/>
+          <a:p>
+            <a:pPr algn="ctr"/>
+            <a:r>
+              <a:rPr lang="de-DE" dirty="0" smtClean="0">
+                <a:solidFill>
+                  <a:srgbClr val="002060"/>
+                </a:solidFill>
+              </a:rPr>
+              <a:t>ADC</a:t>
+            </a:r>
+          </a:p>
+        </p:txBody>
+      </p:sp>
+    </p:spTree>
+    <p:extLst>
+      <p:ext uri="{BB962C8B-B14F-4D97-AF65-F5344CB8AC3E}">
+        <p14:creationId xmlns:p14="http://schemas.microsoft.com/office/powerpoint/2010/main" val="966163430"/>
+      </p:ext>
+    </p:extLst>
+  </p:cSld>
+  <p:clrMapOvr>
+    <a:masterClrMapping/>
+  </p:clrMapOvr>
+</p:sld>
+</file>
+
+<file path=ppt/slides/slide2.xml><?xml version="1.0" encoding="utf-8"?>
+<p:sld xmlns:a="http://schemas.openxmlformats.org/drawingml/2006/main" xmlns:r="http://schemas.openxmlformats.org/officeDocument/2006/relationships" xmlns:p="http://schemas.openxmlformats.org/presentationml/2006/main">
+  <p:cSld>
+    <p:spTree>
+      <p:nvGrpSpPr>
+        <p:cNvPr id="1" name=""/>
+        <p:cNvGrpSpPr/>
+        <p:nvPr/>
+      </p:nvGrpSpPr>
+      <p:grpSpPr>
+        <a:xfrm>
+          <a:off x="0" y="0"/>
+          <a:ext cx="0" cy="0"/>
+          <a:chOff x="0" y="0"/>
+          <a:chExt cx="0" cy="0"/>
+        </a:xfrm>
+      </p:grpSpPr>
+      <p:sp>
+        <p:nvSpPr>
+          <p:cNvPr id="7" name="Rechteck 6"/>
+          <p:cNvSpPr/>
+          <p:nvPr/>
+        </p:nvSpPr>
+        <p:spPr>
+          <a:xfrm>
+            <a:off x="136146" y="557120"/>
+            <a:ext cx="1729321" cy="588515"/>
+          </a:xfrm>
+          <a:prstGeom prst="rect">
+            <a:avLst/>
+          </a:prstGeom>
+          <a:solidFill>
+            <a:schemeClr val="bg1"/>
+          </a:solidFill>
+          <a:ln w="19050">
+            <a:solidFill>
+              <a:schemeClr val="tx1"/>
+            </a:solidFill>
+          </a:ln>
+        </p:spPr>
+        <p:style>
+          <a:lnRef idx="2">
+            <a:schemeClr val="accent1">
+              <a:shade val="50000"/>
+            </a:schemeClr>
+          </a:lnRef>
+          <a:fillRef idx="1">
+            <a:schemeClr val="accent1"/>
+          </a:fillRef>
+          <a:effectRef idx="0">
+            <a:schemeClr val="accent1"/>
+          </a:effectRef>
+          <a:fontRef idx="minor">
+            <a:schemeClr val="lt1"/>
+          </a:fontRef>
+        </p:style>
+        <p:txBody>
+          <a:bodyPr rtlCol="0" anchor="ctr"/>
+          <a:lstStyle/>
+          <a:p>
+            <a:pPr algn="ctr"/>
+            <a:r>
+              <a:rPr lang="de-DE" b="1" dirty="0" smtClean="0">
+                <a:solidFill>
+                  <a:schemeClr val="tx1"/>
+                </a:solidFill>
+              </a:rPr>
+              <a:t>Motortreiber 1:</a:t>
+            </a:r>
+            <a:endParaRPr lang="de-DE" b="1" dirty="0" smtClean="0">
+              <a:solidFill>
+                <a:schemeClr val="tx1"/>
+              </a:solidFill>
+            </a:endParaRPr>
+          </a:p>
+          <a:p>
+            <a:pPr algn="ctr"/>
+            <a:r>
+              <a:rPr lang="de-DE" b="1" dirty="0" smtClean="0">
+                <a:solidFill>
+                  <a:schemeClr val="tx1"/>
+                </a:solidFill>
+              </a:rPr>
+              <a:t>ESCON36/3</a:t>
+            </a:r>
+            <a:endParaRPr lang="de-DE" b="1" dirty="0">
+              <a:solidFill>
+                <a:schemeClr val="tx1"/>
+              </a:solidFill>
+            </a:endParaRPr>
+          </a:p>
+        </p:txBody>
+      </p:sp>
+      <p:sp>
+        <p:nvSpPr>
+          <p:cNvPr id="12" name="Rechteck 11"/>
+          <p:cNvSpPr/>
+          <p:nvPr/>
+        </p:nvSpPr>
+        <p:spPr>
+          <a:xfrm>
+            <a:off x="136146" y="2166373"/>
+            <a:ext cx="1729321" cy="342614"/>
+          </a:xfrm>
+          <a:prstGeom prst="rect">
+            <a:avLst/>
+          </a:prstGeom>
+          <a:solidFill>
+            <a:schemeClr val="bg1"/>
+          </a:solidFill>
+          <a:ln w="19050">
+            <a:solidFill>
+              <a:schemeClr val="tx1"/>
+            </a:solidFill>
+          </a:ln>
+        </p:spPr>
+        <p:style>
+          <a:lnRef idx="2">
+            <a:schemeClr val="accent1">
+              <a:shade val="50000"/>
+            </a:schemeClr>
+          </a:lnRef>
+          <a:fillRef idx="1">
+            <a:schemeClr val="accent1"/>
+          </a:fillRef>
+          <a:effectRef idx="0">
+            <a:schemeClr val="accent1"/>
+          </a:effectRef>
+          <a:fontRef idx="minor">
+            <a:schemeClr val="lt1"/>
+          </a:fontRef>
+        </p:style>
+        <p:txBody>
+          <a:bodyPr rtlCol="0" anchor="ctr"/>
+          <a:lstStyle/>
+          <a:p>
+            <a:pPr algn="ctr"/>
+            <a:r>
+              <a:rPr lang="de-DE" dirty="0" smtClean="0">
+                <a:solidFill>
+                  <a:srgbClr val="002060"/>
+                </a:solidFill>
+              </a:rPr>
+              <a:t>Freigabe</a:t>
+            </a:r>
+          </a:p>
+        </p:txBody>
+      </p:sp>
+      <p:sp>
+        <p:nvSpPr>
+          <p:cNvPr id="13" name="Rechteck 12"/>
+          <p:cNvSpPr/>
+          <p:nvPr/>
+        </p:nvSpPr>
+        <p:spPr>
+          <a:xfrm>
+            <a:off x="136146" y="1823759"/>
+            <a:ext cx="1729321" cy="342614"/>
+          </a:xfrm>
+          <a:prstGeom prst="rect">
+            <a:avLst/>
+          </a:prstGeom>
+          <a:solidFill>
+            <a:schemeClr val="bg1"/>
+          </a:solidFill>
+          <a:ln w="19050">
+            <a:solidFill>
+              <a:schemeClr val="tx1"/>
+            </a:solidFill>
+          </a:ln>
+        </p:spPr>
+        <p:style>
+          <a:lnRef idx="2">
+            <a:schemeClr val="accent1">
+              <a:shade val="50000"/>
+            </a:schemeClr>
+          </a:lnRef>
+          <a:fillRef idx="1">
+            <a:schemeClr val="accent1"/>
+          </a:fillRef>
+          <a:effectRef idx="0">
+            <a:schemeClr val="accent1"/>
+          </a:effectRef>
+          <a:fontRef idx="minor">
+            <a:schemeClr val="lt1"/>
+          </a:fontRef>
+        </p:style>
+        <p:txBody>
+          <a:bodyPr rtlCol="0" anchor="ctr"/>
+          <a:lstStyle/>
+          <a:p>
+            <a:pPr algn="ctr"/>
+            <a:r>
+              <a:rPr lang="de-DE" dirty="0" smtClean="0">
+                <a:solidFill>
+                  <a:srgbClr val="002060"/>
+                </a:solidFill>
+              </a:rPr>
+              <a:t>Drehrichtung</a:t>
+            </a:r>
             <a:endParaRPr lang="de-DE" dirty="0" smtClean="0">
               <a:solidFill>
                 <a:srgbClr val="002060"/>
@@ -3944,14 +4387,14 @@
       </p:sp>
       <p:sp>
         <p:nvSpPr>
-          <p:cNvPr id="53" name="Rechteck 52"/>
+          <p:cNvPr id="14" name="Rechteck 13"/>
           <p:cNvSpPr/>
           <p:nvPr/>
         </p:nvSpPr>
         <p:spPr>
           <a:xfrm>
-            <a:off x="1701989" y="2300208"/>
-            <a:ext cx="1071688" cy="342614"/>
+            <a:off x="136146" y="1481145"/>
+            <a:ext cx="1729321" cy="342614"/>
           </a:xfrm>
           <a:prstGeom prst="rect">
             <a:avLst/>
@@ -3992,7 +4435,248 @@
                   <a:srgbClr val="002060"/>
                 </a:solidFill>
               </a:rPr>
-              <a:t>GPIO</a:t>
+              <a:t>Drehmoment</a:t>
+            </a:r>
+          </a:p>
+        </p:txBody>
+      </p:sp>
+      <p:sp>
+        <p:nvSpPr>
+          <p:cNvPr id="15" name="Rechteck 14"/>
+          <p:cNvSpPr/>
+          <p:nvPr/>
+        </p:nvSpPr>
+        <p:spPr>
+          <a:xfrm>
+            <a:off x="136146" y="1145635"/>
+            <a:ext cx="1729321" cy="342614"/>
+          </a:xfrm>
+          <a:prstGeom prst="rect">
+            <a:avLst/>
+          </a:prstGeom>
+          <a:solidFill>
+            <a:schemeClr val="bg1"/>
+          </a:solidFill>
+          <a:ln w="19050">
+            <a:solidFill>
+              <a:schemeClr val="tx1"/>
+            </a:solidFill>
+          </a:ln>
+        </p:spPr>
+        <p:style>
+          <a:lnRef idx="2">
+            <a:schemeClr val="accent1">
+              <a:shade val="50000"/>
+            </a:schemeClr>
+          </a:lnRef>
+          <a:fillRef idx="1">
+            <a:schemeClr val="accent1"/>
+          </a:fillRef>
+          <a:effectRef idx="0">
+            <a:schemeClr val="accent1"/>
+          </a:effectRef>
+          <a:fontRef idx="minor">
+            <a:schemeClr val="lt1"/>
+          </a:fontRef>
+        </p:style>
+        <p:txBody>
+          <a:bodyPr rtlCol="0" anchor="ctr"/>
+          <a:lstStyle/>
+          <a:p>
+            <a:pPr algn="ctr"/>
+            <a:r>
+              <a:rPr lang="de-DE" dirty="0" smtClean="0">
+                <a:solidFill>
+                  <a:srgbClr val="002060"/>
+                </a:solidFill>
+              </a:rPr>
+              <a:t>Drehzahl</a:t>
+            </a:r>
+          </a:p>
+        </p:txBody>
+      </p:sp>
+      <p:sp>
+        <p:nvSpPr>
+          <p:cNvPr id="26" name="Rechteck 25"/>
+          <p:cNvSpPr/>
+          <p:nvPr/>
+        </p:nvSpPr>
+        <p:spPr>
+          <a:xfrm>
+            <a:off x="136146" y="2664594"/>
+            <a:ext cx="1729321" cy="588515"/>
+          </a:xfrm>
+          <a:prstGeom prst="rect">
+            <a:avLst/>
+          </a:prstGeom>
+          <a:solidFill>
+            <a:schemeClr val="bg1"/>
+          </a:solidFill>
+          <a:ln w="19050">
+            <a:solidFill>
+              <a:schemeClr val="tx1"/>
+            </a:solidFill>
+          </a:ln>
+        </p:spPr>
+        <p:style>
+          <a:lnRef idx="2">
+            <a:schemeClr val="accent1">
+              <a:shade val="50000"/>
+            </a:schemeClr>
+          </a:lnRef>
+          <a:fillRef idx="1">
+            <a:schemeClr val="accent1"/>
+          </a:fillRef>
+          <a:effectRef idx="0">
+            <a:schemeClr val="accent1"/>
+          </a:effectRef>
+          <a:fontRef idx="minor">
+            <a:schemeClr val="lt1"/>
+          </a:fontRef>
+        </p:style>
+        <p:txBody>
+          <a:bodyPr rtlCol="0" anchor="ctr"/>
+          <a:lstStyle/>
+          <a:p>
+            <a:pPr algn="ctr"/>
+            <a:r>
+              <a:rPr lang="de-DE" b="1" dirty="0" smtClean="0">
+                <a:solidFill>
+                  <a:schemeClr val="tx1"/>
+                </a:solidFill>
+              </a:rPr>
+              <a:t>Motortreiber 2:</a:t>
+            </a:r>
+            <a:endParaRPr lang="de-DE" b="1" dirty="0" smtClean="0">
+              <a:solidFill>
+                <a:schemeClr val="tx1"/>
+              </a:solidFill>
+            </a:endParaRPr>
+          </a:p>
+          <a:p>
+            <a:pPr algn="ctr"/>
+            <a:r>
+              <a:rPr lang="de-DE" b="1" dirty="0" smtClean="0">
+                <a:solidFill>
+                  <a:schemeClr val="tx1"/>
+                </a:solidFill>
+              </a:rPr>
+              <a:t>ESCON36/3</a:t>
+            </a:r>
+            <a:endParaRPr lang="de-DE" b="1" dirty="0">
+              <a:solidFill>
+                <a:schemeClr val="tx1"/>
+              </a:solidFill>
+            </a:endParaRPr>
+          </a:p>
+        </p:txBody>
+      </p:sp>
+      <p:sp>
+        <p:nvSpPr>
+          <p:cNvPr id="27" name="Rechteck 26"/>
+          <p:cNvSpPr/>
+          <p:nvPr/>
+        </p:nvSpPr>
+        <p:spPr>
+          <a:xfrm>
+            <a:off x="136146" y="4273847"/>
+            <a:ext cx="1729321" cy="342614"/>
+          </a:xfrm>
+          <a:prstGeom prst="rect">
+            <a:avLst/>
+          </a:prstGeom>
+          <a:solidFill>
+            <a:schemeClr val="bg1"/>
+          </a:solidFill>
+          <a:ln w="19050">
+            <a:solidFill>
+              <a:schemeClr val="tx1"/>
+            </a:solidFill>
+          </a:ln>
+        </p:spPr>
+        <p:style>
+          <a:lnRef idx="2">
+            <a:schemeClr val="accent1">
+              <a:shade val="50000"/>
+            </a:schemeClr>
+          </a:lnRef>
+          <a:fillRef idx="1">
+            <a:schemeClr val="accent1"/>
+          </a:fillRef>
+          <a:effectRef idx="0">
+            <a:schemeClr val="accent1"/>
+          </a:effectRef>
+          <a:fontRef idx="minor">
+            <a:schemeClr val="lt1"/>
+          </a:fontRef>
+        </p:style>
+        <p:txBody>
+          <a:bodyPr rtlCol="0" anchor="ctr"/>
+          <a:lstStyle/>
+          <a:p>
+            <a:pPr algn="ctr"/>
+            <a:r>
+              <a:rPr lang="de-DE" dirty="0" smtClean="0">
+                <a:solidFill>
+                  <a:srgbClr val="002060"/>
+                </a:solidFill>
+              </a:rPr>
+              <a:t>Freigabe</a:t>
+            </a:r>
+          </a:p>
+        </p:txBody>
+      </p:sp>
+      <p:sp>
+        <p:nvSpPr>
+          <p:cNvPr id="28" name="Rechteck 27"/>
+          <p:cNvSpPr/>
+          <p:nvPr/>
+        </p:nvSpPr>
+        <p:spPr>
+          <a:xfrm>
+            <a:off x="136146" y="3931233"/>
+            <a:ext cx="1729321" cy="342614"/>
+          </a:xfrm>
+          <a:prstGeom prst="rect">
+            <a:avLst/>
+          </a:prstGeom>
+          <a:solidFill>
+            <a:schemeClr val="bg1"/>
+          </a:solidFill>
+          <a:ln w="19050">
+            <a:solidFill>
+              <a:schemeClr val="tx1"/>
+            </a:solidFill>
+          </a:ln>
+        </p:spPr>
+        <p:style>
+          <a:lnRef idx="2">
+            <a:schemeClr val="accent1">
+              <a:shade val="50000"/>
+            </a:schemeClr>
+          </a:lnRef>
+          <a:fillRef idx="1">
+            <a:schemeClr val="accent1"/>
+          </a:fillRef>
+          <a:effectRef idx="0">
+            <a:schemeClr val="accent1"/>
+          </a:effectRef>
+          <a:fontRef idx="minor">
+            <a:schemeClr val="lt1"/>
+          </a:fontRef>
+        </p:style>
+        <p:txBody>
+          <a:bodyPr rtlCol="0" anchor="ctr"/>
+          <a:lstStyle/>
+          <a:p>
+            <a:pPr algn="ctr"/>
+            <a:r>
+              <a:rPr lang="de-DE" dirty="0" smtClean="0">
+                <a:solidFill>
+                  <a:srgbClr val="002060"/>
+                </a:solidFill>
+              </a:rPr>
+              <a:t>Drehrichtung</a:t>
             </a:r>
             <a:endParaRPr lang="de-DE" dirty="0" smtClean="0">
               <a:solidFill>
@@ -4004,14 +4688,14 @@
       </p:sp>
       <p:sp>
         <p:nvSpPr>
-          <p:cNvPr id="54" name="Rechteck 53"/>
+          <p:cNvPr id="29" name="Rechteck 28"/>
           <p:cNvSpPr/>
           <p:nvPr/>
         </p:nvSpPr>
         <p:spPr>
           <a:xfrm>
-            <a:off x="2773676" y="2300208"/>
-            <a:ext cx="1529261" cy="342614"/>
+            <a:off x="136146" y="3588619"/>
+            <a:ext cx="1729321" cy="342614"/>
           </a:xfrm>
           <a:prstGeom prst="rect">
             <a:avLst/>
@@ -4052,21 +4736,21 @@
                   <a:srgbClr val="002060"/>
                 </a:solidFill>
               </a:rPr>
-              <a:t>GPIO</a:t>
-            </a:r>
-          </a:p>
-        </p:txBody>
-      </p:sp>
-      <p:sp>
-        <p:nvSpPr>
-          <p:cNvPr id="55" name="Rechteck 54"/>
+              <a:t>Drehmoment</a:t>
+            </a:r>
+          </a:p>
+        </p:txBody>
+      </p:sp>
+      <p:sp>
+        <p:nvSpPr>
+          <p:cNvPr id="30" name="Rechteck 29"/>
           <p:cNvSpPr/>
           <p:nvPr/>
         </p:nvSpPr>
         <p:spPr>
           <a:xfrm>
-            <a:off x="4302937" y="2300207"/>
-            <a:ext cx="1491917" cy="342614"/>
+            <a:off x="136146" y="3253109"/>
+            <a:ext cx="1729321" cy="342614"/>
           </a:xfrm>
           <a:prstGeom prst="rect">
             <a:avLst/>
@@ -4107,21 +4791,21 @@
                   <a:srgbClr val="002060"/>
                 </a:solidFill>
               </a:rPr>
-              <a:t>PWM</a:t>
-            </a:r>
-          </a:p>
-        </p:txBody>
-      </p:sp>
-      <p:sp>
-        <p:nvSpPr>
-          <p:cNvPr id="56" name="Rechteck 55"/>
+              <a:t>Drehzahl</a:t>
+            </a:r>
+          </a:p>
+        </p:txBody>
+      </p:sp>
+      <p:sp>
+        <p:nvSpPr>
+          <p:cNvPr id="31" name="Rechteck 30"/>
           <p:cNvSpPr/>
           <p:nvPr/>
         </p:nvSpPr>
         <p:spPr>
           <a:xfrm>
-            <a:off x="5783759" y="2300208"/>
-            <a:ext cx="1491917" cy="342614"/>
+            <a:off x="136146" y="4772068"/>
+            <a:ext cx="1729321" cy="588515"/>
           </a:xfrm>
           <a:prstGeom prst="rect">
             <a:avLst/>
@@ -4157,20 +4841,3863 @@
           <a:p>
             <a:pPr algn="ctr"/>
             <a:r>
+              <a:rPr lang="de-DE" b="1" dirty="0" smtClean="0">
+                <a:solidFill>
+                  <a:schemeClr val="tx1"/>
+                </a:solidFill>
+              </a:rPr>
+              <a:t>Motortreiber 3:</a:t>
+            </a:r>
+            <a:endParaRPr lang="de-DE" b="1" dirty="0" smtClean="0">
+              <a:solidFill>
+                <a:schemeClr val="tx1"/>
+              </a:solidFill>
+            </a:endParaRPr>
+          </a:p>
+          <a:p>
+            <a:pPr algn="ctr"/>
+            <a:r>
+              <a:rPr lang="de-DE" b="1" dirty="0" smtClean="0">
+                <a:solidFill>
+                  <a:schemeClr val="tx1"/>
+                </a:solidFill>
+              </a:rPr>
+              <a:t>ESCON36/3</a:t>
+            </a:r>
+            <a:endParaRPr lang="de-DE" b="1" dirty="0">
+              <a:solidFill>
+                <a:schemeClr val="tx1"/>
+              </a:solidFill>
+            </a:endParaRPr>
+          </a:p>
+        </p:txBody>
+      </p:sp>
+      <p:sp>
+        <p:nvSpPr>
+          <p:cNvPr id="73" name="Rechteck 72"/>
+          <p:cNvSpPr/>
+          <p:nvPr/>
+        </p:nvSpPr>
+        <p:spPr>
+          <a:xfrm>
+            <a:off x="2631973" y="1146211"/>
+            <a:ext cx="3483275" cy="5577724"/>
+          </a:xfrm>
+          <a:prstGeom prst="rect">
+            <a:avLst/>
+          </a:prstGeom>
+          <a:solidFill>
+            <a:schemeClr val="bg1"/>
+          </a:solidFill>
+          <a:ln w="19050">
+            <a:solidFill>
+              <a:schemeClr val="tx1"/>
+            </a:solidFill>
+          </a:ln>
+        </p:spPr>
+        <p:style>
+          <a:lnRef idx="2">
+            <a:schemeClr val="accent1">
+              <a:shade val="50000"/>
+            </a:schemeClr>
+          </a:lnRef>
+          <a:fillRef idx="1">
+            <a:schemeClr val="accent1"/>
+          </a:fillRef>
+          <a:effectRef idx="0">
+            <a:schemeClr val="accent1"/>
+          </a:effectRef>
+          <a:fontRef idx="minor">
+            <a:schemeClr val="lt1"/>
+          </a:fontRef>
+        </p:style>
+        <p:txBody>
+          <a:bodyPr rtlCol="0" anchor="ctr"/>
+          <a:lstStyle/>
+          <a:p>
+            <a:pPr algn="ctr"/>
+            <a:endParaRPr lang="de-DE" b="1" dirty="0">
+              <a:solidFill>
+                <a:schemeClr val="tx1"/>
+              </a:solidFill>
+            </a:endParaRPr>
+          </a:p>
+        </p:txBody>
+      </p:sp>
+      <p:sp>
+        <p:nvSpPr>
+          <p:cNvPr id="32" name="Rechteck 31"/>
+          <p:cNvSpPr/>
+          <p:nvPr/>
+        </p:nvSpPr>
+        <p:spPr>
+          <a:xfrm>
+            <a:off x="136146" y="6381321"/>
+            <a:ext cx="1729321" cy="342614"/>
+          </a:xfrm>
+          <a:prstGeom prst="rect">
+            <a:avLst/>
+          </a:prstGeom>
+          <a:solidFill>
+            <a:schemeClr val="bg1"/>
+          </a:solidFill>
+          <a:ln w="19050">
+            <a:solidFill>
+              <a:schemeClr val="tx1"/>
+            </a:solidFill>
+          </a:ln>
+        </p:spPr>
+        <p:style>
+          <a:lnRef idx="2">
+            <a:schemeClr val="accent1">
+              <a:shade val="50000"/>
+            </a:schemeClr>
+          </a:lnRef>
+          <a:fillRef idx="1">
+            <a:schemeClr val="accent1"/>
+          </a:fillRef>
+          <a:effectRef idx="0">
+            <a:schemeClr val="accent1"/>
+          </a:effectRef>
+          <a:fontRef idx="minor">
+            <a:schemeClr val="lt1"/>
+          </a:fontRef>
+        </p:style>
+        <p:txBody>
+          <a:bodyPr rtlCol="0" anchor="ctr"/>
+          <a:lstStyle/>
+          <a:p>
+            <a:pPr algn="ctr"/>
+            <a:r>
               <a:rPr lang="de-DE" dirty="0" smtClean="0">
                 <a:solidFill>
                   <a:srgbClr val="002060"/>
                 </a:solidFill>
               </a:rPr>
+              <a:t>Freigabe</a:t>
+            </a:r>
+          </a:p>
+        </p:txBody>
+      </p:sp>
+      <p:sp>
+        <p:nvSpPr>
+          <p:cNvPr id="33" name="Rechteck 32"/>
+          <p:cNvSpPr/>
+          <p:nvPr/>
+        </p:nvSpPr>
+        <p:spPr>
+          <a:xfrm>
+            <a:off x="136146" y="6038707"/>
+            <a:ext cx="1729321" cy="342614"/>
+          </a:xfrm>
+          <a:prstGeom prst="rect">
+            <a:avLst/>
+          </a:prstGeom>
+          <a:solidFill>
+            <a:schemeClr val="bg1"/>
+          </a:solidFill>
+          <a:ln w="19050">
+            <a:solidFill>
+              <a:schemeClr val="tx1"/>
+            </a:solidFill>
+          </a:ln>
+        </p:spPr>
+        <p:style>
+          <a:lnRef idx="2">
+            <a:schemeClr val="accent1">
+              <a:shade val="50000"/>
+            </a:schemeClr>
+          </a:lnRef>
+          <a:fillRef idx="1">
+            <a:schemeClr val="accent1"/>
+          </a:fillRef>
+          <a:effectRef idx="0">
+            <a:schemeClr val="accent1"/>
+          </a:effectRef>
+          <a:fontRef idx="minor">
+            <a:schemeClr val="lt1"/>
+          </a:fontRef>
+        </p:style>
+        <p:txBody>
+          <a:bodyPr rtlCol="0" anchor="ctr"/>
+          <a:lstStyle/>
+          <a:p>
+            <a:pPr algn="ctr"/>
+            <a:r>
+              <a:rPr lang="de-DE" dirty="0" smtClean="0">
+                <a:solidFill>
+                  <a:srgbClr val="002060"/>
+                </a:solidFill>
+              </a:rPr>
+              <a:t>Drehrichtung</a:t>
+            </a:r>
+            <a:endParaRPr lang="de-DE" dirty="0" smtClean="0">
+              <a:solidFill>
+                <a:srgbClr val="002060"/>
+              </a:solidFill>
+            </a:endParaRPr>
+          </a:p>
+        </p:txBody>
+      </p:sp>
+      <p:sp>
+        <p:nvSpPr>
+          <p:cNvPr id="34" name="Rechteck 33"/>
+          <p:cNvSpPr/>
+          <p:nvPr/>
+        </p:nvSpPr>
+        <p:spPr>
+          <a:xfrm>
+            <a:off x="136146" y="5696093"/>
+            <a:ext cx="1729321" cy="342614"/>
+          </a:xfrm>
+          <a:prstGeom prst="rect">
+            <a:avLst/>
+          </a:prstGeom>
+          <a:solidFill>
+            <a:schemeClr val="bg1"/>
+          </a:solidFill>
+          <a:ln w="19050">
+            <a:solidFill>
+              <a:schemeClr val="tx1"/>
+            </a:solidFill>
+          </a:ln>
+        </p:spPr>
+        <p:style>
+          <a:lnRef idx="2">
+            <a:schemeClr val="accent1">
+              <a:shade val="50000"/>
+            </a:schemeClr>
+          </a:lnRef>
+          <a:fillRef idx="1">
+            <a:schemeClr val="accent1"/>
+          </a:fillRef>
+          <a:effectRef idx="0">
+            <a:schemeClr val="accent1"/>
+          </a:effectRef>
+          <a:fontRef idx="minor">
+            <a:schemeClr val="lt1"/>
+          </a:fontRef>
+        </p:style>
+        <p:txBody>
+          <a:bodyPr rtlCol="0" anchor="ctr"/>
+          <a:lstStyle/>
+          <a:p>
+            <a:pPr algn="ctr"/>
+            <a:r>
+              <a:rPr lang="de-DE" dirty="0" smtClean="0">
+                <a:solidFill>
+                  <a:srgbClr val="002060"/>
+                </a:solidFill>
+              </a:rPr>
+              <a:t>Drehmoment</a:t>
+            </a:r>
+          </a:p>
+        </p:txBody>
+      </p:sp>
+      <p:sp>
+        <p:nvSpPr>
+          <p:cNvPr id="35" name="Rechteck 34"/>
+          <p:cNvSpPr/>
+          <p:nvPr/>
+        </p:nvSpPr>
+        <p:spPr>
+          <a:xfrm>
+            <a:off x="136146" y="5360583"/>
+            <a:ext cx="1729321" cy="342614"/>
+          </a:xfrm>
+          <a:prstGeom prst="rect">
+            <a:avLst/>
+          </a:prstGeom>
+          <a:solidFill>
+            <a:schemeClr val="bg1"/>
+          </a:solidFill>
+          <a:ln w="19050">
+            <a:solidFill>
+              <a:schemeClr val="tx1"/>
+            </a:solidFill>
+          </a:ln>
+        </p:spPr>
+        <p:style>
+          <a:lnRef idx="2">
+            <a:schemeClr val="accent1">
+              <a:shade val="50000"/>
+            </a:schemeClr>
+          </a:lnRef>
+          <a:fillRef idx="1">
+            <a:schemeClr val="accent1"/>
+          </a:fillRef>
+          <a:effectRef idx="0">
+            <a:schemeClr val="accent1"/>
+          </a:effectRef>
+          <a:fontRef idx="minor">
+            <a:schemeClr val="lt1"/>
+          </a:fontRef>
+        </p:style>
+        <p:txBody>
+          <a:bodyPr rtlCol="0" anchor="ctr"/>
+          <a:lstStyle/>
+          <a:p>
+            <a:pPr algn="ctr"/>
+            <a:r>
+              <a:rPr lang="de-DE" dirty="0" smtClean="0">
+                <a:solidFill>
+                  <a:srgbClr val="002060"/>
+                </a:solidFill>
+              </a:rPr>
+              <a:t>Drehzahl</a:t>
+            </a:r>
+          </a:p>
+        </p:txBody>
+      </p:sp>
+      <p:sp>
+        <p:nvSpPr>
+          <p:cNvPr id="53" name="Rechteck 52"/>
+          <p:cNvSpPr/>
+          <p:nvPr/>
+        </p:nvSpPr>
+        <p:spPr>
+          <a:xfrm>
+            <a:off x="6881756" y="1488249"/>
+            <a:ext cx="2023137" cy="679958"/>
+          </a:xfrm>
+          <a:prstGeom prst="rect">
+            <a:avLst/>
+          </a:prstGeom>
+          <a:solidFill>
+            <a:schemeClr val="bg1"/>
+          </a:solidFill>
+          <a:ln w="19050">
+            <a:solidFill>
+              <a:schemeClr val="tx1"/>
+            </a:solidFill>
+          </a:ln>
+        </p:spPr>
+        <p:style>
+          <a:lnRef idx="2">
+            <a:schemeClr val="accent1">
+              <a:shade val="50000"/>
+            </a:schemeClr>
+          </a:lnRef>
+          <a:fillRef idx="1">
+            <a:schemeClr val="accent1"/>
+          </a:fillRef>
+          <a:effectRef idx="0">
+            <a:schemeClr val="accent1"/>
+          </a:effectRef>
+          <a:fontRef idx="minor">
+            <a:schemeClr val="lt1"/>
+          </a:fontRef>
+        </p:style>
+        <p:txBody>
+          <a:bodyPr rtlCol="0" anchor="ctr"/>
+          <a:lstStyle/>
+          <a:p>
+            <a:pPr algn="ctr"/>
+            <a:r>
+              <a:rPr lang="de-DE" b="1" dirty="0" smtClean="0">
+                <a:solidFill>
+                  <a:schemeClr val="tx1"/>
+                </a:solidFill>
+              </a:rPr>
+              <a:t>Bremse:</a:t>
+            </a:r>
+          </a:p>
+          <a:p>
+            <a:pPr algn="ctr"/>
+            <a:r>
+              <a:rPr lang="de-DE" b="1" dirty="0" smtClean="0">
+                <a:solidFill>
+                  <a:schemeClr val="tx1"/>
+                </a:solidFill>
+              </a:rPr>
+              <a:t>HITEC-MG82-Servo</a:t>
+            </a:r>
+            <a:endParaRPr lang="de-DE" b="1" dirty="0">
+              <a:solidFill>
+                <a:schemeClr val="tx1"/>
+              </a:solidFill>
+            </a:endParaRPr>
+          </a:p>
+        </p:txBody>
+      </p:sp>
+      <p:sp>
+        <p:nvSpPr>
+          <p:cNvPr id="55" name="Rechteck 54"/>
+          <p:cNvSpPr/>
+          <p:nvPr/>
+        </p:nvSpPr>
+        <p:spPr>
+          <a:xfrm>
+            <a:off x="2631975" y="557120"/>
+            <a:ext cx="3483275" cy="588515"/>
+          </a:xfrm>
+          <a:prstGeom prst="rect">
+            <a:avLst/>
+          </a:prstGeom>
+          <a:solidFill>
+            <a:schemeClr val="bg1"/>
+          </a:solidFill>
+          <a:ln w="19050">
+            <a:solidFill>
+              <a:schemeClr val="tx1"/>
+            </a:solidFill>
+          </a:ln>
+        </p:spPr>
+        <p:style>
+          <a:lnRef idx="2">
+            <a:schemeClr val="accent1">
+              <a:shade val="50000"/>
+            </a:schemeClr>
+          </a:lnRef>
+          <a:fillRef idx="1">
+            <a:schemeClr val="accent1"/>
+          </a:fillRef>
+          <a:effectRef idx="0">
+            <a:schemeClr val="accent1"/>
+          </a:effectRef>
+          <a:fontRef idx="minor">
+            <a:schemeClr val="lt1"/>
+          </a:fontRef>
+        </p:style>
+        <p:txBody>
+          <a:bodyPr rtlCol="0" anchor="ctr"/>
+          <a:lstStyle/>
+          <a:p>
+            <a:pPr algn="ctr"/>
+            <a:r>
+              <a:rPr lang="de-DE" b="1" dirty="0" err="1">
+                <a:solidFill>
+                  <a:schemeClr val="tx1"/>
+                </a:solidFill>
+              </a:rPr>
+              <a:t>BeagleBone</a:t>
+            </a:r>
+            <a:r>
+              <a:rPr lang="de-DE" b="1" dirty="0">
+                <a:solidFill>
+                  <a:schemeClr val="tx1"/>
+                </a:solidFill>
+              </a:rPr>
+              <a:t> Black</a:t>
+            </a:r>
+            <a:endParaRPr lang="de-DE" b="1" dirty="0">
+              <a:solidFill>
+                <a:schemeClr val="tx1"/>
+              </a:solidFill>
+            </a:endParaRPr>
+          </a:p>
+        </p:txBody>
+      </p:sp>
+      <p:sp>
+        <p:nvSpPr>
+          <p:cNvPr id="56" name="Rechteck 55"/>
+          <p:cNvSpPr/>
+          <p:nvPr/>
+        </p:nvSpPr>
+        <p:spPr>
+          <a:xfrm>
+            <a:off x="2631976" y="2166373"/>
+            <a:ext cx="1071688" cy="342614"/>
+          </a:xfrm>
+          <a:prstGeom prst="rect">
+            <a:avLst/>
+          </a:prstGeom>
+          <a:solidFill>
+            <a:schemeClr val="bg1"/>
+          </a:solidFill>
+          <a:ln w="19050">
+            <a:solidFill>
+              <a:schemeClr val="tx1"/>
+            </a:solidFill>
+          </a:ln>
+        </p:spPr>
+        <p:style>
+          <a:lnRef idx="2">
+            <a:schemeClr val="accent1">
+              <a:shade val="50000"/>
+            </a:schemeClr>
+          </a:lnRef>
+          <a:fillRef idx="1">
+            <a:schemeClr val="accent1"/>
+          </a:fillRef>
+          <a:effectRef idx="0">
+            <a:schemeClr val="accent1"/>
+          </a:effectRef>
+          <a:fontRef idx="minor">
+            <a:schemeClr val="lt1"/>
+          </a:fontRef>
+        </p:style>
+        <p:txBody>
+          <a:bodyPr rtlCol="0" anchor="ctr"/>
+          <a:lstStyle/>
+          <a:p>
+            <a:pPr algn="ctr"/>
+            <a:r>
+              <a:rPr lang="de-DE" dirty="0" smtClean="0">
+                <a:solidFill>
+                  <a:srgbClr val="002060"/>
+                </a:solidFill>
+              </a:rPr>
+              <a:t>GPIO</a:t>
+            </a:r>
+            <a:endParaRPr lang="de-DE" dirty="0" smtClean="0">
+              <a:solidFill>
+                <a:srgbClr val="002060"/>
+              </a:solidFill>
+            </a:endParaRPr>
+          </a:p>
+        </p:txBody>
+      </p:sp>
+      <p:sp>
+        <p:nvSpPr>
+          <p:cNvPr id="57" name="Rechteck 56"/>
+          <p:cNvSpPr/>
+          <p:nvPr/>
+        </p:nvSpPr>
+        <p:spPr>
+          <a:xfrm>
+            <a:off x="2631976" y="1823759"/>
+            <a:ext cx="1071688" cy="342614"/>
+          </a:xfrm>
+          <a:prstGeom prst="rect">
+            <a:avLst/>
+          </a:prstGeom>
+          <a:solidFill>
+            <a:schemeClr val="bg1"/>
+          </a:solidFill>
+          <a:ln w="19050">
+            <a:solidFill>
+              <a:schemeClr val="tx1"/>
+            </a:solidFill>
+          </a:ln>
+        </p:spPr>
+        <p:style>
+          <a:lnRef idx="2">
+            <a:schemeClr val="accent1">
+              <a:shade val="50000"/>
+            </a:schemeClr>
+          </a:lnRef>
+          <a:fillRef idx="1">
+            <a:schemeClr val="accent1"/>
+          </a:fillRef>
+          <a:effectRef idx="0">
+            <a:schemeClr val="accent1"/>
+          </a:effectRef>
+          <a:fontRef idx="minor">
+            <a:schemeClr val="lt1"/>
+          </a:fontRef>
+        </p:style>
+        <p:txBody>
+          <a:bodyPr rtlCol="0" anchor="ctr"/>
+          <a:lstStyle/>
+          <a:p>
+            <a:pPr algn="ctr"/>
+            <a:r>
+              <a:rPr lang="de-DE" dirty="0" smtClean="0">
+                <a:solidFill>
+                  <a:srgbClr val="002060"/>
+                </a:solidFill>
+              </a:rPr>
+              <a:t>GPIO</a:t>
+            </a:r>
+            <a:endParaRPr lang="de-DE" dirty="0" smtClean="0">
+              <a:solidFill>
+                <a:srgbClr val="002060"/>
+              </a:solidFill>
+            </a:endParaRPr>
+          </a:p>
+        </p:txBody>
+      </p:sp>
+      <p:sp>
+        <p:nvSpPr>
+          <p:cNvPr id="58" name="Rechteck 57"/>
+          <p:cNvSpPr/>
+          <p:nvPr/>
+        </p:nvSpPr>
+        <p:spPr>
+          <a:xfrm>
+            <a:off x="2631976" y="1481145"/>
+            <a:ext cx="1071688" cy="342614"/>
+          </a:xfrm>
+          <a:prstGeom prst="rect">
+            <a:avLst/>
+          </a:prstGeom>
+          <a:solidFill>
+            <a:schemeClr val="bg1"/>
+          </a:solidFill>
+          <a:ln w="19050">
+            <a:solidFill>
+              <a:schemeClr val="tx1"/>
+            </a:solidFill>
+          </a:ln>
+        </p:spPr>
+        <p:style>
+          <a:lnRef idx="2">
+            <a:schemeClr val="accent1">
+              <a:shade val="50000"/>
+            </a:schemeClr>
+          </a:lnRef>
+          <a:fillRef idx="1">
+            <a:schemeClr val="accent1"/>
+          </a:fillRef>
+          <a:effectRef idx="0">
+            <a:schemeClr val="accent1"/>
+          </a:effectRef>
+          <a:fontRef idx="minor">
+            <a:schemeClr val="lt1"/>
+          </a:fontRef>
+        </p:style>
+        <p:txBody>
+          <a:bodyPr rtlCol="0" anchor="ctr"/>
+          <a:lstStyle/>
+          <a:p>
+            <a:pPr algn="ctr"/>
+            <a:r>
+              <a:rPr lang="de-DE" dirty="0" smtClean="0">
+                <a:solidFill>
+                  <a:srgbClr val="002060"/>
+                </a:solidFill>
+              </a:rPr>
+              <a:t>PWM</a:t>
+            </a:r>
+            <a:endParaRPr lang="de-DE" dirty="0" smtClean="0">
+              <a:solidFill>
+                <a:srgbClr val="002060"/>
+              </a:solidFill>
+            </a:endParaRPr>
+          </a:p>
+        </p:txBody>
+      </p:sp>
+      <p:sp>
+        <p:nvSpPr>
+          <p:cNvPr id="59" name="Rechteck 58"/>
+          <p:cNvSpPr/>
+          <p:nvPr/>
+        </p:nvSpPr>
+        <p:spPr>
+          <a:xfrm>
+            <a:off x="2631976" y="1145635"/>
+            <a:ext cx="1071688" cy="342614"/>
+          </a:xfrm>
+          <a:prstGeom prst="rect">
+            <a:avLst/>
+          </a:prstGeom>
+          <a:solidFill>
+            <a:schemeClr val="bg1"/>
+          </a:solidFill>
+          <a:ln w="19050">
+            <a:solidFill>
+              <a:schemeClr val="tx1"/>
+            </a:solidFill>
+          </a:ln>
+        </p:spPr>
+        <p:style>
+          <a:lnRef idx="2">
+            <a:schemeClr val="accent1">
+              <a:shade val="50000"/>
+            </a:schemeClr>
+          </a:lnRef>
+          <a:fillRef idx="1">
+            <a:schemeClr val="accent1"/>
+          </a:fillRef>
+          <a:effectRef idx="0">
+            <a:schemeClr val="accent1"/>
+          </a:effectRef>
+          <a:fontRef idx="minor">
+            <a:schemeClr val="lt1"/>
+          </a:fontRef>
+        </p:style>
+        <p:txBody>
+          <a:bodyPr rtlCol="0" anchor="ctr"/>
+          <a:lstStyle/>
+          <a:p>
+            <a:pPr algn="ctr"/>
+            <a:r>
+              <a:rPr lang="de-DE" dirty="0" smtClean="0">
+                <a:solidFill>
+                  <a:srgbClr val="002060"/>
+                </a:solidFill>
+              </a:rPr>
               <a:t>ADC</a:t>
             </a:r>
-          </a:p>
-        </p:txBody>
-      </p:sp>
+            <a:endParaRPr lang="de-DE" dirty="0" smtClean="0">
+              <a:solidFill>
+                <a:srgbClr val="002060"/>
+              </a:solidFill>
+            </a:endParaRPr>
+          </a:p>
+        </p:txBody>
+      </p:sp>
+      <p:sp>
+        <p:nvSpPr>
+          <p:cNvPr id="60" name="Rechteck 59"/>
+          <p:cNvSpPr/>
+          <p:nvPr/>
+        </p:nvSpPr>
+        <p:spPr>
+          <a:xfrm>
+            <a:off x="2631975" y="4273847"/>
+            <a:ext cx="1071688" cy="342614"/>
+          </a:xfrm>
+          <a:prstGeom prst="rect">
+            <a:avLst/>
+          </a:prstGeom>
+          <a:solidFill>
+            <a:schemeClr val="bg1"/>
+          </a:solidFill>
+          <a:ln w="19050">
+            <a:solidFill>
+              <a:schemeClr val="tx1"/>
+            </a:solidFill>
+          </a:ln>
+        </p:spPr>
+        <p:style>
+          <a:lnRef idx="2">
+            <a:schemeClr val="accent1">
+              <a:shade val="50000"/>
+            </a:schemeClr>
+          </a:lnRef>
+          <a:fillRef idx="1">
+            <a:schemeClr val="accent1"/>
+          </a:fillRef>
+          <a:effectRef idx="0">
+            <a:schemeClr val="accent1"/>
+          </a:effectRef>
+          <a:fontRef idx="minor">
+            <a:schemeClr val="lt1"/>
+          </a:fontRef>
+        </p:style>
+        <p:txBody>
+          <a:bodyPr rtlCol="0" anchor="ctr"/>
+          <a:lstStyle/>
+          <a:p>
+            <a:pPr algn="ctr"/>
+            <a:r>
+              <a:rPr lang="de-DE" dirty="0" smtClean="0">
+                <a:solidFill>
+                  <a:srgbClr val="002060"/>
+                </a:solidFill>
+              </a:rPr>
+              <a:t>GPIO</a:t>
+            </a:r>
+            <a:endParaRPr lang="de-DE" dirty="0" smtClean="0">
+              <a:solidFill>
+                <a:srgbClr val="002060"/>
+              </a:solidFill>
+            </a:endParaRPr>
+          </a:p>
+        </p:txBody>
+      </p:sp>
+      <p:sp>
+        <p:nvSpPr>
+          <p:cNvPr id="61" name="Rechteck 60"/>
+          <p:cNvSpPr/>
+          <p:nvPr/>
+        </p:nvSpPr>
+        <p:spPr>
+          <a:xfrm>
+            <a:off x="2631975" y="3931233"/>
+            <a:ext cx="1071688" cy="342614"/>
+          </a:xfrm>
+          <a:prstGeom prst="rect">
+            <a:avLst/>
+          </a:prstGeom>
+          <a:solidFill>
+            <a:schemeClr val="bg1"/>
+          </a:solidFill>
+          <a:ln w="19050">
+            <a:solidFill>
+              <a:schemeClr val="tx1"/>
+            </a:solidFill>
+          </a:ln>
+        </p:spPr>
+        <p:style>
+          <a:lnRef idx="2">
+            <a:schemeClr val="accent1">
+              <a:shade val="50000"/>
+            </a:schemeClr>
+          </a:lnRef>
+          <a:fillRef idx="1">
+            <a:schemeClr val="accent1"/>
+          </a:fillRef>
+          <a:effectRef idx="0">
+            <a:schemeClr val="accent1"/>
+          </a:effectRef>
+          <a:fontRef idx="minor">
+            <a:schemeClr val="lt1"/>
+          </a:fontRef>
+        </p:style>
+        <p:txBody>
+          <a:bodyPr rtlCol="0" anchor="ctr"/>
+          <a:lstStyle/>
+          <a:p>
+            <a:pPr algn="ctr"/>
+            <a:r>
+              <a:rPr lang="de-DE" dirty="0" smtClean="0">
+                <a:solidFill>
+                  <a:srgbClr val="002060"/>
+                </a:solidFill>
+              </a:rPr>
+              <a:t>GPIO</a:t>
+            </a:r>
+            <a:endParaRPr lang="de-DE" dirty="0" smtClean="0">
+              <a:solidFill>
+                <a:srgbClr val="002060"/>
+              </a:solidFill>
+            </a:endParaRPr>
+          </a:p>
+        </p:txBody>
+      </p:sp>
+      <p:sp>
+        <p:nvSpPr>
+          <p:cNvPr id="62" name="Rechteck 61"/>
+          <p:cNvSpPr/>
+          <p:nvPr/>
+        </p:nvSpPr>
+        <p:spPr>
+          <a:xfrm>
+            <a:off x="2631975" y="3588619"/>
+            <a:ext cx="1071688" cy="342614"/>
+          </a:xfrm>
+          <a:prstGeom prst="rect">
+            <a:avLst/>
+          </a:prstGeom>
+          <a:solidFill>
+            <a:schemeClr val="bg1"/>
+          </a:solidFill>
+          <a:ln w="19050">
+            <a:solidFill>
+              <a:schemeClr val="tx1"/>
+            </a:solidFill>
+          </a:ln>
+        </p:spPr>
+        <p:style>
+          <a:lnRef idx="2">
+            <a:schemeClr val="accent1">
+              <a:shade val="50000"/>
+            </a:schemeClr>
+          </a:lnRef>
+          <a:fillRef idx="1">
+            <a:schemeClr val="accent1"/>
+          </a:fillRef>
+          <a:effectRef idx="0">
+            <a:schemeClr val="accent1"/>
+          </a:effectRef>
+          <a:fontRef idx="minor">
+            <a:schemeClr val="lt1"/>
+          </a:fontRef>
+        </p:style>
+        <p:txBody>
+          <a:bodyPr rtlCol="0" anchor="ctr"/>
+          <a:lstStyle/>
+          <a:p>
+            <a:pPr algn="ctr"/>
+            <a:r>
+              <a:rPr lang="de-DE" dirty="0" smtClean="0">
+                <a:solidFill>
+                  <a:srgbClr val="002060"/>
+                </a:solidFill>
+              </a:rPr>
+              <a:t>PWM</a:t>
+            </a:r>
+            <a:endParaRPr lang="de-DE" dirty="0" smtClean="0">
+              <a:solidFill>
+                <a:srgbClr val="002060"/>
+              </a:solidFill>
+            </a:endParaRPr>
+          </a:p>
+        </p:txBody>
+      </p:sp>
+      <p:sp>
+        <p:nvSpPr>
+          <p:cNvPr id="63" name="Rechteck 62"/>
+          <p:cNvSpPr/>
+          <p:nvPr/>
+        </p:nvSpPr>
+        <p:spPr>
+          <a:xfrm>
+            <a:off x="2631975" y="3253109"/>
+            <a:ext cx="1071688" cy="342614"/>
+          </a:xfrm>
+          <a:prstGeom prst="rect">
+            <a:avLst/>
+          </a:prstGeom>
+          <a:solidFill>
+            <a:schemeClr val="bg1"/>
+          </a:solidFill>
+          <a:ln w="19050">
+            <a:solidFill>
+              <a:schemeClr val="tx1"/>
+            </a:solidFill>
+          </a:ln>
+        </p:spPr>
+        <p:style>
+          <a:lnRef idx="2">
+            <a:schemeClr val="accent1">
+              <a:shade val="50000"/>
+            </a:schemeClr>
+          </a:lnRef>
+          <a:fillRef idx="1">
+            <a:schemeClr val="accent1"/>
+          </a:fillRef>
+          <a:effectRef idx="0">
+            <a:schemeClr val="accent1"/>
+          </a:effectRef>
+          <a:fontRef idx="minor">
+            <a:schemeClr val="lt1"/>
+          </a:fontRef>
+        </p:style>
+        <p:txBody>
+          <a:bodyPr rtlCol="0" anchor="ctr"/>
+          <a:lstStyle/>
+          <a:p>
+            <a:pPr algn="ctr"/>
+            <a:r>
+              <a:rPr lang="de-DE" dirty="0" smtClean="0">
+                <a:solidFill>
+                  <a:srgbClr val="002060"/>
+                </a:solidFill>
+              </a:rPr>
+              <a:t>ADC</a:t>
+            </a:r>
+            <a:endParaRPr lang="de-DE" dirty="0" smtClean="0">
+              <a:solidFill>
+                <a:srgbClr val="002060"/>
+              </a:solidFill>
+            </a:endParaRPr>
+          </a:p>
+        </p:txBody>
+      </p:sp>
+      <p:sp>
+        <p:nvSpPr>
+          <p:cNvPr id="64" name="Rechteck 63"/>
+          <p:cNvSpPr/>
+          <p:nvPr/>
+        </p:nvSpPr>
+        <p:spPr>
+          <a:xfrm>
+            <a:off x="2631975" y="6381321"/>
+            <a:ext cx="1071688" cy="342614"/>
+          </a:xfrm>
+          <a:prstGeom prst="rect">
+            <a:avLst/>
+          </a:prstGeom>
+          <a:solidFill>
+            <a:schemeClr val="bg1"/>
+          </a:solidFill>
+          <a:ln w="19050">
+            <a:solidFill>
+              <a:schemeClr val="tx1"/>
+            </a:solidFill>
+          </a:ln>
+        </p:spPr>
+        <p:style>
+          <a:lnRef idx="2">
+            <a:schemeClr val="accent1">
+              <a:shade val="50000"/>
+            </a:schemeClr>
+          </a:lnRef>
+          <a:fillRef idx="1">
+            <a:schemeClr val="accent1"/>
+          </a:fillRef>
+          <a:effectRef idx="0">
+            <a:schemeClr val="accent1"/>
+          </a:effectRef>
+          <a:fontRef idx="minor">
+            <a:schemeClr val="lt1"/>
+          </a:fontRef>
+        </p:style>
+        <p:txBody>
+          <a:bodyPr rtlCol="0" anchor="ctr"/>
+          <a:lstStyle/>
+          <a:p>
+            <a:pPr algn="ctr"/>
+            <a:r>
+              <a:rPr lang="de-DE" dirty="0" smtClean="0">
+                <a:solidFill>
+                  <a:srgbClr val="002060"/>
+                </a:solidFill>
+              </a:rPr>
+              <a:t>GPIO</a:t>
+            </a:r>
+            <a:endParaRPr lang="de-DE" dirty="0" smtClean="0">
+              <a:solidFill>
+                <a:srgbClr val="002060"/>
+              </a:solidFill>
+            </a:endParaRPr>
+          </a:p>
+        </p:txBody>
+      </p:sp>
+      <p:sp>
+        <p:nvSpPr>
+          <p:cNvPr id="65" name="Rechteck 64"/>
+          <p:cNvSpPr/>
+          <p:nvPr/>
+        </p:nvSpPr>
+        <p:spPr>
+          <a:xfrm>
+            <a:off x="2631975" y="6038707"/>
+            <a:ext cx="1071688" cy="342614"/>
+          </a:xfrm>
+          <a:prstGeom prst="rect">
+            <a:avLst/>
+          </a:prstGeom>
+          <a:solidFill>
+            <a:schemeClr val="bg1"/>
+          </a:solidFill>
+          <a:ln w="19050">
+            <a:solidFill>
+              <a:schemeClr val="tx1"/>
+            </a:solidFill>
+          </a:ln>
+        </p:spPr>
+        <p:style>
+          <a:lnRef idx="2">
+            <a:schemeClr val="accent1">
+              <a:shade val="50000"/>
+            </a:schemeClr>
+          </a:lnRef>
+          <a:fillRef idx="1">
+            <a:schemeClr val="accent1"/>
+          </a:fillRef>
+          <a:effectRef idx="0">
+            <a:schemeClr val="accent1"/>
+          </a:effectRef>
+          <a:fontRef idx="minor">
+            <a:schemeClr val="lt1"/>
+          </a:fontRef>
+        </p:style>
+        <p:txBody>
+          <a:bodyPr rtlCol="0" anchor="ctr"/>
+          <a:lstStyle/>
+          <a:p>
+            <a:pPr algn="ctr"/>
+            <a:r>
+              <a:rPr lang="de-DE" dirty="0" smtClean="0">
+                <a:solidFill>
+                  <a:srgbClr val="002060"/>
+                </a:solidFill>
+              </a:rPr>
+              <a:t>GPIO</a:t>
+            </a:r>
+            <a:endParaRPr lang="de-DE" dirty="0" smtClean="0">
+              <a:solidFill>
+                <a:srgbClr val="002060"/>
+              </a:solidFill>
+            </a:endParaRPr>
+          </a:p>
+        </p:txBody>
+      </p:sp>
+      <p:sp>
+        <p:nvSpPr>
+          <p:cNvPr id="66" name="Rechteck 65"/>
+          <p:cNvSpPr/>
+          <p:nvPr/>
+        </p:nvSpPr>
+        <p:spPr>
+          <a:xfrm>
+            <a:off x="2631975" y="5696093"/>
+            <a:ext cx="1071688" cy="342614"/>
+          </a:xfrm>
+          <a:prstGeom prst="rect">
+            <a:avLst/>
+          </a:prstGeom>
+          <a:solidFill>
+            <a:schemeClr val="bg1"/>
+          </a:solidFill>
+          <a:ln w="19050">
+            <a:solidFill>
+              <a:schemeClr val="tx1"/>
+            </a:solidFill>
+          </a:ln>
+        </p:spPr>
+        <p:style>
+          <a:lnRef idx="2">
+            <a:schemeClr val="accent1">
+              <a:shade val="50000"/>
+            </a:schemeClr>
+          </a:lnRef>
+          <a:fillRef idx="1">
+            <a:schemeClr val="accent1"/>
+          </a:fillRef>
+          <a:effectRef idx="0">
+            <a:schemeClr val="accent1"/>
+          </a:effectRef>
+          <a:fontRef idx="minor">
+            <a:schemeClr val="lt1"/>
+          </a:fontRef>
+        </p:style>
+        <p:txBody>
+          <a:bodyPr rtlCol="0" anchor="ctr"/>
+          <a:lstStyle/>
+          <a:p>
+            <a:pPr algn="ctr"/>
+            <a:r>
+              <a:rPr lang="de-DE" dirty="0" smtClean="0">
+                <a:solidFill>
+                  <a:srgbClr val="002060"/>
+                </a:solidFill>
+              </a:rPr>
+              <a:t>PWM</a:t>
+            </a:r>
+            <a:endParaRPr lang="de-DE" dirty="0" smtClean="0">
+              <a:solidFill>
+                <a:srgbClr val="002060"/>
+              </a:solidFill>
+            </a:endParaRPr>
+          </a:p>
+        </p:txBody>
+      </p:sp>
+      <p:sp>
+        <p:nvSpPr>
+          <p:cNvPr id="67" name="Rechteck 66"/>
+          <p:cNvSpPr/>
+          <p:nvPr/>
+        </p:nvSpPr>
+        <p:spPr>
+          <a:xfrm>
+            <a:off x="2631975" y="5360583"/>
+            <a:ext cx="1071688" cy="342614"/>
+          </a:xfrm>
+          <a:prstGeom prst="rect">
+            <a:avLst/>
+          </a:prstGeom>
+          <a:solidFill>
+            <a:schemeClr val="bg1"/>
+          </a:solidFill>
+          <a:ln w="19050">
+            <a:solidFill>
+              <a:schemeClr val="tx1"/>
+            </a:solidFill>
+          </a:ln>
+        </p:spPr>
+        <p:style>
+          <a:lnRef idx="2">
+            <a:schemeClr val="accent1">
+              <a:shade val="50000"/>
+            </a:schemeClr>
+          </a:lnRef>
+          <a:fillRef idx="1">
+            <a:schemeClr val="accent1"/>
+          </a:fillRef>
+          <a:effectRef idx="0">
+            <a:schemeClr val="accent1"/>
+          </a:effectRef>
+          <a:fontRef idx="minor">
+            <a:schemeClr val="lt1"/>
+          </a:fontRef>
+        </p:style>
+        <p:txBody>
+          <a:bodyPr rtlCol="0" anchor="ctr"/>
+          <a:lstStyle/>
+          <a:p>
+            <a:pPr algn="ctr"/>
+            <a:r>
+              <a:rPr lang="de-DE" dirty="0" smtClean="0">
+                <a:solidFill>
+                  <a:srgbClr val="002060"/>
+                </a:solidFill>
+              </a:rPr>
+              <a:t>ADC</a:t>
+            </a:r>
+            <a:endParaRPr lang="de-DE" dirty="0" smtClean="0">
+              <a:solidFill>
+                <a:srgbClr val="002060"/>
+              </a:solidFill>
+            </a:endParaRPr>
+          </a:p>
+        </p:txBody>
+      </p:sp>
+      <p:sp>
+        <p:nvSpPr>
+          <p:cNvPr id="68" name="Rechteck 67"/>
+          <p:cNvSpPr/>
+          <p:nvPr/>
+        </p:nvSpPr>
+        <p:spPr>
+          <a:xfrm>
+            <a:off x="6881756" y="3588619"/>
+            <a:ext cx="2023137" cy="679958"/>
+          </a:xfrm>
+          <a:prstGeom prst="rect">
+            <a:avLst/>
+          </a:prstGeom>
+          <a:solidFill>
+            <a:schemeClr val="bg1"/>
+          </a:solidFill>
+          <a:ln w="19050">
+            <a:solidFill>
+              <a:schemeClr val="tx1"/>
+            </a:solidFill>
+          </a:ln>
+        </p:spPr>
+        <p:style>
+          <a:lnRef idx="2">
+            <a:schemeClr val="accent1">
+              <a:shade val="50000"/>
+            </a:schemeClr>
+          </a:lnRef>
+          <a:fillRef idx="1">
+            <a:schemeClr val="accent1"/>
+          </a:fillRef>
+          <a:effectRef idx="0">
+            <a:schemeClr val="accent1"/>
+          </a:effectRef>
+          <a:fontRef idx="minor">
+            <a:schemeClr val="lt1"/>
+          </a:fontRef>
+        </p:style>
+        <p:txBody>
+          <a:bodyPr rtlCol="0" anchor="ctr"/>
+          <a:lstStyle/>
+          <a:p>
+            <a:pPr algn="ctr"/>
+            <a:r>
+              <a:rPr lang="de-DE" b="1" dirty="0" smtClean="0">
+                <a:solidFill>
+                  <a:schemeClr val="tx1"/>
+                </a:solidFill>
+              </a:rPr>
+              <a:t>Bremse:</a:t>
+            </a:r>
+          </a:p>
+          <a:p>
+            <a:pPr algn="ctr"/>
+            <a:r>
+              <a:rPr lang="de-DE" b="1" dirty="0" smtClean="0">
+                <a:solidFill>
+                  <a:schemeClr val="tx1"/>
+                </a:solidFill>
+              </a:rPr>
+              <a:t>HITEC-MG82-Servo</a:t>
+            </a:r>
+            <a:endParaRPr lang="de-DE" b="1" dirty="0">
+              <a:solidFill>
+                <a:schemeClr val="tx1"/>
+              </a:solidFill>
+            </a:endParaRPr>
+          </a:p>
+        </p:txBody>
+      </p:sp>
+      <p:sp>
+        <p:nvSpPr>
+          <p:cNvPr id="69" name="Rechteck 68"/>
+          <p:cNvSpPr/>
+          <p:nvPr/>
+        </p:nvSpPr>
+        <p:spPr>
+          <a:xfrm>
+            <a:off x="6881755" y="5703197"/>
+            <a:ext cx="2023137" cy="679958"/>
+          </a:xfrm>
+          <a:prstGeom prst="rect">
+            <a:avLst/>
+          </a:prstGeom>
+          <a:solidFill>
+            <a:schemeClr val="bg1"/>
+          </a:solidFill>
+          <a:ln w="19050">
+            <a:solidFill>
+              <a:schemeClr val="tx1"/>
+            </a:solidFill>
+          </a:ln>
+        </p:spPr>
+        <p:style>
+          <a:lnRef idx="2">
+            <a:schemeClr val="accent1">
+              <a:shade val="50000"/>
+            </a:schemeClr>
+          </a:lnRef>
+          <a:fillRef idx="1">
+            <a:schemeClr val="accent1"/>
+          </a:fillRef>
+          <a:effectRef idx="0">
+            <a:schemeClr val="accent1"/>
+          </a:effectRef>
+          <a:fontRef idx="minor">
+            <a:schemeClr val="lt1"/>
+          </a:fontRef>
+        </p:style>
+        <p:txBody>
+          <a:bodyPr rtlCol="0" anchor="ctr"/>
+          <a:lstStyle/>
+          <a:p>
+            <a:pPr algn="ctr"/>
+            <a:r>
+              <a:rPr lang="de-DE" b="1" dirty="0" smtClean="0">
+                <a:solidFill>
+                  <a:schemeClr val="tx1"/>
+                </a:solidFill>
+              </a:rPr>
+              <a:t>Bremse:</a:t>
+            </a:r>
+          </a:p>
+          <a:p>
+            <a:pPr algn="ctr"/>
+            <a:r>
+              <a:rPr lang="de-DE" b="1" dirty="0" smtClean="0">
+                <a:solidFill>
+                  <a:schemeClr val="tx1"/>
+                </a:solidFill>
+              </a:rPr>
+              <a:t>HITEC-MG82-Servo</a:t>
+            </a:r>
+            <a:endParaRPr lang="de-DE" b="1" dirty="0">
+              <a:solidFill>
+                <a:schemeClr val="tx1"/>
+              </a:solidFill>
+            </a:endParaRPr>
+          </a:p>
+        </p:txBody>
+      </p:sp>
+      <p:sp>
+        <p:nvSpPr>
+          <p:cNvPr id="70" name="Rechteck 69"/>
+          <p:cNvSpPr/>
+          <p:nvPr/>
+        </p:nvSpPr>
+        <p:spPr>
+          <a:xfrm>
+            <a:off x="5043562" y="5867400"/>
+            <a:ext cx="1071688" cy="342614"/>
+          </a:xfrm>
+          <a:prstGeom prst="rect">
+            <a:avLst/>
+          </a:prstGeom>
+          <a:solidFill>
+            <a:schemeClr val="bg1"/>
+          </a:solidFill>
+          <a:ln w="19050">
+            <a:solidFill>
+              <a:schemeClr val="tx1"/>
+            </a:solidFill>
+          </a:ln>
+        </p:spPr>
+        <p:style>
+          <a:lnRef idx="2">
+            <a:schemeClr val="accent1">
+              <a:shade val="50000"/>
+            </a:schemeClr>
+          </a:lnRef>
+          <a:fillRef idx="1">
+            <a:schemeClr val="accent1"/>
+          </a:fillRef>
+          <a:effectRef idx="0">
+            <a:schemeClr val="accent1"/>
+          </a:effectRef>
+          <a:fontRef idx="minor">
+            <a:schemeClr val="lt1"/>
+          </a:fontRef>
+        </p:style>
+        <p:txBody>
+          <a:bodyPr rtlCol="0" anchor="ctr"/>
+          <a:lstStyle/>
+          <a:p>
+            <a:pPr algn="ctr"/>
+            <a:r>
+              <a:rPr lang="de-DE" dirty="0" smtClean="0">
+                <a:solidFill>
+                  <a:srgbClr val="002060"/>
+                </a:solidFill>
+              </a:rPr>
+              <a:t>PWM</a:t>
+            </a:r>
+            <a:endParaRPr lang="de-DE" dirty="0" smtClean="0">
+              <a:solidFill>
+                <a:srgbClr val="002060"/>
+              </a:solidFill>
+            </a:endParaRPr>
+          </a:p>
+        </p:txBody>
+      </p:sp>
+      <p:sp>
+        <p:nvSpPr>
+          <p:cNvPr id="71" name="Rechteck 70"/>
+          <p:cNvSpPr/>
+          <p:nvPr/>
+        </p:nvSpPr>
+        <p:spPr>
+          <a:xfrm>
+            <a:off x="5043562" y="3759926"/>
+            <a:ext cx="1071688" cy="342614"/>
+          </a:xfrm>
+          <a:prstGeom prst="rect">
+            <a:avLst/>
+          </a:prstGeom>
+          <a:solidFill>
+            <a:schemeClr val="bg1"/>
+          </a:solidFill>
+          <a:ln w="19050">
+            <a:solidFill>
+              <a:schemeClr val="tx1"/>
+            </a:solidFill>
+          </a:ln>
+        </p:spPr>
+        <p:style>
+          <a:lnRef idx="2">
+            <a:schemeClr val="accent1">
+              <a:shade val="50000"/>
+            </a:schemeClr>
+          </a:lnRef>
+          <a:fillRef idx="1">
+            <a:schemeClr val="accent1"/>
+          </a:fillRef>
+          <a:effectRef idx="0">
+            <a:schemeClr val="accent1"/>
+          </a:effectRef>
+          <a:fontRef idx="minor">
+            <a:schemeClr val="lt1"/>
+          </a:fontRef>
+        </p:style>
+        <p:txBody>
+          <a:bodyPr rtlCol="0" anchor="ctr"/>
+          <a:lstStyle/>
+          <a:p>
+            <a:pPr algn="ctr"/>
+            <a:r>
+              <a:rPr lang="de-DE" dirty="0" smtClean="0">
+                <a:solidFill>
+                  <a:srgbClr val="002060"/>
+                </a:solidFill>
+              </a:rPr>
+              <a:t>PWM</a:t>
+            </a:r>
+            <a:endParaRPr lang="de-DE" dirty="0" smtClean="0">
+              <a:solidFill>
+                <a:srgbClr val="002060"/>
+              </a:solidFill>
+            </a:endParaRPr>
+          </a:p>
+        </p:txBody>
+      </p:sp>
+      <p:sp>
+        <p:nvSpPr>
+          <p:cNvPr id="72" name="Rechteck 71"/>
+          <p:cNvSpPr/>
+          <p:nvPr/>
+        </p:nvSpPr>
+        <p:spPr>
+          <a:xfrm>
+            <a:off x="5043562" y="1652452"/>
+            <a:ext cx="1071688" cy="342614"/>
+          </a:xfrm>
+          <a:prstGeom prst="rect">
+            <a:avLst/>
+          </a:prstGeom>
+          <a:solidFill>
+            <a:schemeClr val="bg1"/>
+          </a:solidFill>
+          <a:ln w="19050">
+            <a:solidFill>
+              <a:schemeClr val="tx1"/>
+            </a:solidFill>
+          </a:ln>
+        </p:spPr>
+        <p:style>
+          <a:lnRef idx="2">
+            <a:schemeClr val="accent1">
+              <a:shade val="50000"/>
+            </a:schemeClr>
+          </a:lnRef>
+          <a:fillRef idx="1">
+            <a:schemeClr val="accent1"/>
+          </a:fillRef>
+          <a:effectRef idx="0">
+            <a:schemeClr val="accent1"/>
+          </a:effectRef>
+          <a:fontRef idx="minor">
+            <a:schemeClr val="lt1"/>
+          </a:fontRef>
+        </p:style>
+        <p:txBody>
+          <a:bodyPr rtlCol="0" anchor="ctr"/>
+          <a:lstStyle/>
+          <a:p>
+            <a:pPr algn="ctr"/>
+            <a:r>
+              <a:rPr lang="de-DE" dirty="0" smtClean="0">
+                <a:solidFill>
+                  <a:srgbClr val="002060"/>
+                </a:solidFill>
+              </a:rPr>
+              <a:t>PWM</a:t>
+            </a:r>
+            <a:endParaRPr lang="de-DE" dirty="0" smtClean="0">
+              <a:solidFill>
+                <a:srgbClr val="002060"/>
+              </a:solidFill>
+            </a:endParaRPr>
+          </a:p>
+        </p:txBody>
+      </p:sp>
+      <p:cxnSp>
+        <p:nvCxnSpPr>
+          <p:cNvPr id="100" name="Gerade Verbindung mit Pfeil 99"/>
+          <p:cNvCxnSpPr>
+            <a:stCxn id="15" idx="3"/>
+            <a:endCxn id="59" idx="1"/>
+          </p:cNvCxnSpPr>
+          <p:nvPr/>
+        </p:nvCxnSpPr>
+        <p:spPr>
+          <a:xfrm>
+            <a:off x="1865467" y="1316942"/>
+            <a:ext cx="766509" cy="0"/>
+          </a:xfrm>
+          <a:prstGeom prst="straightConnector1">
+            <a:avLst/>
+          </a:prstGeom>
+          <a:ln w="25400">
+            <a:solidFill>
+              <a:schemeClr val="tx1"/>
+            </a:solidFill>
+            <a:tailEnd type="triangle"/>
+          </a:ln>
+        </p:spPr>
+        <p:style>
+          <a:lnRef idx="1">
+            <a:schemeClr val="accent1"/>
+          </a:lnRef>
+          <a:fillRef idx="0">
+            <a:schemeClr val="accent1"/>
+          </a:fillRef>
+          <a:effectRef idx="0">
+            <a:schemeClr val="accent1"/>
+          </a:effectRef>
+          <a:fontRef idx="minor">
+            <a:schemeClr val="tx1"/>
+          </a:fontRef>
+        </p:style>
+      </p:cxnSp>
+      <p:cxnSp>
+        <p:nvCxnSpPr>
+          <p:cNvPr id="102" name="Gerade Verbindung mit Pfeil 101"/>
+          <p:cNvCxnSpPr>
+            <a:stCxn id="58" idx="1"/>
+            <a:endCxn id="14" idx="3"/>
+          </p:cNvCxnSpPr>
+          <p:nvPr/>
+        </p:nvCxnSpPr>
+        <p:spPr>
+          <a:xfrm flipH="1">
+            <a:off x="1865467" y="1652452"/>
+            <a:ext cx="766509" cy="0"/>
+          </a:xfrm>
+          <a:prstGeom prst="straightConnector1">
+            <a:avLst/>
+          </a:prstGeom>
+          <a:ln w="25400">
+            <a:solidFill>
+              <a:schemeClr val="tx1"/>
+            </a:solidFill>
+            <a:tailEnd type="triangle"/>
+          </a:ln>
+        </p:spPr>
+        <p:style>
+          <a:lnRef idx="1">
+            <a:schemeClr val="accent1"/>
+          </a:lnRef>
+          <a:fillRef idx="0">
+            <a:schemeClr val="accent1"/>
+          </a:fillRef>
+          <a:effectRef idx="0">
+            <a:schemeClr val="accent1"/>
+          </a:effectRef>
+          <a:fontRef idx="minor">
+            <a:schemeClr val="tx1"/>
+          </a:fontRef>
+        </p:style>
+      </p:cxnSp>
+      <p:cxnSp>
+        <p:nvCxnSpPr>
+          <p:cNvPr id="104" name="Gerade Verbindung mit Pfeil 103"/>
+          <p:cNvCxnSpPr>
+            <a:stCxn id="57" idx="1"/>
+            <a:endCxn id="13" idx="3"/>
+          </p:cNvCxnSpPr>
+          <p:nvPr/>
+        </p:nvCxnSpPr>
+        <p:spPr>
+          <a:xfrm flipH="1">
+            <a:off x="1865467" y="1995066"/>
+            <a:ext cx="766509" cy="0"/>
+          </a:xfrm>
+          <a:prstGeom prst="straightConnector1">
+            <a:avLst/>
+          </a:prstGeom>
+          <a:ln w="25400">
+            <a:solidFill>
+              <a:schemeClr val="tx1"/>
+            </a:solidFill>
+            <a:tailEnd type="triangle"/>
+          </a:ln>
+        </p:spPr>
+        <p:style>
+          <a:lnRef idx="1">
+            <a:schemeClr val="accent1"/>
+          </a:lnRef>
+          <a:fillRef idx="0">
+            <a:schemeClr val="accent1"/>
+          </a:fillRef>
+          <a:effectRef idx="0">
+            <a:schemeClr val="accent1"/>
+          </a:effectRef>
+          <a:fontRef idx="minor">
+            <a:schemeClr val="tx1"/>
+          </a:fontRef>
+        </p:style>
+      </p:cxnSp>
+      <p:cxnSp>
+        <p:nvCxnSpPr>
+          <p:cNvPr id="106" name="Gerade Verbindung mit Pfeil 105"/>
+          <p:cNvCxnSpPr>
+            <a:stCxn id="56" idx="1"/>
+            <a:endCxn id="12" idx="3"/>
+          </p:cNvCxnSpPr>
+          <p:nvPr/>
+        </p:nvCxnSpPr>
+        <p:spPr>
+          <a:xfrm flipH="1">
+            <a:off x="1865467" y="2337680"/>
+            <a:ext cx="766509" cy="0"/>
+          </a:xfrm>
+          <a:prstGeom prst="straightConnector1">
+            <a:avLst/>
+          </a:prstGeom>
+          <a:ln w="25400">
+            <a:solidFill>
+              <a:schemeClr val="tx1"/>
+            </a:solidFill>
+            <a:tailEnd type="triangle"/>
+          </a:ln>
+        </p:spPr>
+        <p:style>
+          <a:lnRef idx="1">
+            <a:schemeClr val="accent1"/>
+          </a:lnRef>
+          <a:fillRef idx="0">
+            <a:schemeClr val="accent1"/>
+          </a:fillRef>
+          <a:effectRef idx="0">
+            <a:schemeClr val="accent1"/>
+          </a:effectRef>
+          <a:fontRef idx="minor">
+            <a:schemeClr val="tx1"/>
+          </a:fontRef>
+        </p:style>
+      </p:cxnSp>
+      <p:cxnSp>
+        <p:nvCxnSpPr>
+          <p:cNvPr id="108" name="Gerade Verbindung mit Pfeil 107"/>
+          <p:cNvCxnSpPr>
+            <a:stCxn id="30" idx="3"/>
+            <a:endCxn id="63" idx="1"/>
+          </p:cNvCxnSpPr>
+          <p:nvPr/>
+        </p:nvCxnSpPr>
+        <p:spPr>
+          <a:xfrm>
+            <a:off x="1865467" y="3424416"/>
+            <a:ext cx="766508" cy="0"/>
+          </a:xfrm>
+          <a:prstGeom prst="straightConnector1">
+            <a:avLst/>
+          </a:prstGeom>
+          <a:ln w="25400">
+            <a:solidFill>
+              <a:schemeClr val="tx1"/>
+            </a:solidFill>
+            <a:tailEnd type="triangle"/>
+          </a:ln>
+        </p:spPr>
+        <p:style>
+          <a:lnRef idx="1">
+            <a:schemeClr val="accent1"/>
+          </a:lnRef>
+          <a:fillRef idx="0">
+            <a:schemeClr val="accent1"/>
+          </a:fillRef>
+          <a:effectRef idx="0">
+            <a:schemeClr val="accent1"/>
+          </a:effectRef>
+          <a:fontRef idx="minor">
+            <a:schemeClr val="tx1"/>
+          </a:fontRef>
+        </p:style>
+      </p:cxnSp>
+      <p:cxnSp>
+        <p:nvCxnSpPr>
+          <p:cNvPr id="110" name="Gerade Verbindung mit Pfeil 109"/>
+          <p:cNvCxnSpPr>
+            <a:stCxn id="62" idx="1"/>
+            <a:endCxn id="29" idx="3"/>
+          </p:cNvCxnSpPr>
+          <p:nvPr/>
+        </p:nvCxnSpPr>
+        <p:spPr>
+          <a:xfrm flipH="1">
+            <a:off x="1865467" y="3759926"/>
+            <a:ext cx="766508" cy="0"/>
+          </a:xfrm>
+          <a:prstGeom prst="straightConnector1">
+            <a:avLst/>
+          </a:prstGeom>
+          <a:ln w="25400">
+            <a:solidFill>
+              <a:schemeClr val="tx1"/>
+            </a:solidFill>
+            <a:tailEnd type="triangle"/>
+          </a:ln>
+        </p:spPr>
+        <p:style>
+          <a:lnRef idx="1">
+            <a:schemeClr val="accent1"/>
+          </a:lnRef>
+          <a:fillRef idx="0">
+            <a:schemeClr val="accent1"/>
+          </a:fillRef>
+          <a:effectRef idx="0">
+            <a:schemeClr val="accent1"/>
+          </a:effectRef>
+          <a:fontRef idx="minor">
+            <a:schemeClr val="tx1"/>
+          </a:fontRef>
+        </p:style>
+      </p:cxnSp>
+      <p:cxnSp>
+        <p:nvCxnSpPr>
+          <p:cNvPr id="112" name="Gerade Verbindung mit Pfeil 111"/>
+          <p:cNvCxnSpPr>
+            <a:stCxn id="61" idx="1"/>
+            <a:endCxn id="28" idx="3"/>
+          </p:cNvCxnSpPr>
+          <p:nvPr/>
+        </p:nvCxnSpPr>
+        <p:spPr>
+          <a:xfrm flipH="1">
+            <a:off x="1865467" y="4102540"/>
+            <a:ext cx="766508" cy="0"/>
+          </a:xfrm>
+          <a:prstGeom prst="straightConnector1">
+            <a:avLst/>
+          </a:prstGeom>
+          <a:ln w="25400">
+            <a:solidFill>
+              <a:schemeClr val="tx1"/>
+            </a:solidFill>
+            <a:tailEnd type="triangle"/>
+          </a:ln>
+        </p:spPr>
+        <p:style>
+          <a:lnRef idx="1">
+            <a:schemeClr val="accent1"/>
+          </a:lnRef>
+          <a:fillRef idx="0">
+            <a:schemeClr val="accent1"/>
+          </a:fillRef>
+          <a:effectRef idx="0">
+            <a:schemeClr val="accent1"/>
+          </a:effectRef>
+          <a:fontRef idx="minor">
+            <a:schemeClr val="tx1"/>
+          </a:fontRef>
+        </p:style>
+      </p:cxnSp>
+      <p:cxnSp>
+        <p:nvCxnSpPr>
+          <p:cNvPr id="114" name="Gerade Verbindung mit Pfeil 113"/>
+          <p:cNvCxnSpPr>
+            <a:stCxn id="60" idx="1"/>
+            <a:endCxn id="27" idx="3"/>
+          </p:cNvCxnSpPr>
+          <p:nvPr/>
+        </p:nvCxnSpPr>
+        <p:spPr>
+          <a:xfrm flipH="1">
+            <a:off x="1865467" y="4445154"/>
+            <a:ext cx="766508" cy="0"/>
+          </a:xfrm>
+          <a:prstGeom prst="straightConnector1">
+            <a:avLst/>
+          </a:prstGeom>
+          <a:ln w="25400">
+            <a:solidFill>
+              <a:schemeClr val="tx1"/>
+            </a:solidFill>
+            <a:tailEnd type="triangle"/>
+          </a:ln>
+        </p:spPr>
+        <p:style>
+          <a:lnRef idx="1">
+            <a:schemeClr val="accent1"/>
+          </a:lnRef>
+          <a:fillRef idx="0">
+            <a:schemeClr val="accent1"/>
+          </a:fillRef>
+          <a:effectRef idx="0">
+            <a:schemeClr val="accent1"/>
+          </a:effectRef>
+          <a:fontRef idx="minor">
+            <a:schemeClr val="tx1"/>
+          </a:fontRef>
+        </p:style>
+      </p:cxnSp>
+      <p:cxnSp>
+        <p:nvCxnSpPr>
+          <p:cNvPr id="121" name="Gerade Verbindung mit Pfeil 120"/>
+          <p:cNvCxnSpPr>
+            <a:stCxn id="35" idx="3"/>
+            <a:endCxn id="67" idx="1"/>
+          </p:cNvCxnSpPr>
+          <p:nvPr/>
+        </p:nvCxnSpPr>
+        <p:spPr>
+          <a:xfrm>
+            <a:off x="1865467" y="5531890"/>
+            <a:ext cx="766508" cy="0"/>
+          </a:xfrm>
+          <a:prstGeom prst="straightConnector1">
+            <a:avLst/>
+          </a:prstGeom>
+          <a:ln w="25400">
+            <a:solidFill>
+              <a:schemeClr val="tx1"/>
+            </a:solidFill>
+            <a:tailEnd type="triangle"/>
+          </a:ln>
+        </p:spPr>
+        <p:style>
+          <a:lnRef idx="1">
+            <a:schemeClr val="accent1"/>
+          </a:lnRef>
+          <a:fillRef idx="0">
+            <a:schemeClr val="accent1"/>
+          </a:fillRef>
+          <a:effectRef idx="0">
+            <a:schemeClr val="accent1"/>
+          </a:effectRef>
+          <a:fontRef idx="minor">
+            <a:schemeClr val="tx1"/>
+          </a:fontRef>
+        </p:style>
+      </p:cxnSp>
+      <p:cxnSp>
+        <p:nvCxnSpPr>
+          <p:cNvPr id="123" name="Gerade Verbindung mit Pfeil 122"/>
+          <p:cNvCxnSpPr>
+            <a:stCxn id="66" idx="1"/>
+            <a:endCxn id="34" idx="3"/>
+          </p:cNvCxnSpPr>
+          <p:nvPr/>
+        </p:nvCxnSpPr>
+        <p:spPr>
+          <a:xfrm flipH="1">
+            <a:off x="1865467" y="5867400"/>
+            <a:ext cx="766508" cy="0"/>
+          </a:xfrm>
+          <a:prstGeom prst="straightConnector1">
+            <a:avLst/>
+          </a:prstGeom>
+          <a:ln w="25400">
+            <a:solidFill>
+              <a:schemeClr val="tx1"/>
+            </a:solidFill>
+            <a:tailEnd type="triangle"/>
+          </a:ln>
+        </p:spPr>
+        <p:style>
+          <a:lnRef idx="1">
+            <a:schemeClr val="accent1"/>
+          </a:lnRef>
+          <a:fillRef idx="0">
+            <a:schemeClr val="accent1"/>
+          </a:fillRef>
+          <a:effectRef idx="0">
+            <a:schemeClr val="accent1"/>
+          </a:effectRef>
+          <a:fontRef idx="minor">
+            <a:schemeClr val="tx1"/>
+          </a:fontRef>
+        </p:style>
+      </p:cxnSp>
+      <p:cxnSp>
+        <p:nvCxnSpPr>
+          <p:cNvPr id="125" name="Gerade Verbindung mit Pfeil 124"/>
+          <p:cNvCxnSpPr>
+            <a:stCxn id="65" idx="1"/>
+            <a:endCxn id="33" idx="3"/>
+          </p:cNvCxnSpPr>
+          <p:nvPr/>
+        </p:nvCxnSpPr>
+        <p:spPr>
+          <a:xfrm flipH="1">
+            <a:off x="1865467" y="6210014"/>
+            <a:ext cx="766508" cy="0"/>
+          </a:xfrm>
+          <a:prstGeom prst="straightConnector1">
+            <a:avLst/>
+          </a:prstGeom>
+          <a:ln w="25400">
+            <a:solidFill>
+              <a:schemeClr val="tx1"/>
+            </a:solidFill>
+            <a:tailEnd type="triangle"/>
+          </a:ln>
+        </p:spPr>
+        <p:style>
+          <a:lnRef idx="1">
+            <a:schemeClr val="accent1"/>
+          </a:lnRef>
+          <a:fillRef idx="0">
+            <a:schemeClr val="accent1"/>
+          </a:fillRef>
+          <a:effectRef idx="0">
+            <a:schemeClr val="accent1"/>
+          </a:effectRef>
+          <a:fontRef idx="minor">
+            <a:schemeClr val="tx1"/>
+          </a:fontRef>
+        </p:style>
+      </p:cxnSp>
+      <p:cxnSp>
+        <p:nvCxnSpPr>
+          <p:cNvPr id="127" name="Gerade Verbindung mit Pfeil 126"/>
+          <p:cNvCxnSpPr>
+            <a:stCxn id="64" idx="1"/>
+            <a:endCxn id="32" idx="3"/>
+          </p:cNvCxnSpPr>
+          <p:nvPr/>
+        </p:nvCxnSpPr>
+        <p:spPr>
+          <a:xfrm flipH="1">
+            <a:off x="1865467" y="6552628"/>
+            <a:ext cx="766508" cy="0"/>
+          </a:xfrm>
+          <a:prstGeom prst="straightConnector1">
+            <a:avLst/>
+          </a:prstGeom>
+          <a:ln w="25400">
+            <a:solidFill>
+              <a:schemeClr val="tx1"/>
+            </a:solidFill>
+            <a:tailEnd type="triangle"/>
+          </a:ln>
+        </p:spPr>
+        <p:style>
+          <a:lnRef idx="1">
+            <a:schemeClr val="accent1"/>
+          </a:lnRef>
+          <a:fillRef idx="0">
+            <a:schemeClr val="accent1"/>
+          </a:fillRef>
+          <a:effectRef idx="0">
+            <a:schemeClr val="accent1"/>
+          </a:effectRef>
+          <a:fontRef idx="minor">
+            <a:schemeClr val="tx1"/>
+          </a:fontRef>
+        </p:style>
+      </p:cxnSp>
+      <p:cxnSp>
+        <p:nvCxnSpPr>
+          <p:cNvPr id="129" name="Gerade Verbindung mit Pfeil 128"/>
+          <p:cNvCxnSpPr>
+            <a:stCxn id="72" idx="3"/>
+            <a:endCxn id="53" idx="1"/>
+          </p:cNvCxnSpPr>
+          <p:nvPr/>
+        </p:nvCxnSpPr>
+        <p:spPr>
+          <a:xfrm>
+            <a:off x="6115250" y="1823759"/>
+            <a:ext cx="766506" cy="4469"/>
+          </a:xfrm>
+          <a:prstGeom prst="straightConnector1">
+            <a:avLst/>
+          </a:prstGeom>
+          <a:ln w="25400">
+            <a:solidFill>
+              <a:schemeClr val="tx1"/>
+            </a:solidFill>
+            <a:tailEnd type="triangle"/>
+          </a:ln>
+        </p:spPr>
+        <p:style>
+          <a:lnRef idx="1">
+            <a:schemeClr val="accent1"/>
+          </a:lnRef>
+          <a:fillRef idx="0">
+            <a:schemeClr val="accent1"/>
+          </a:fillRef>
+          <a:effectRef idx="0">
+            <a:schemeClr val="accent1"/>
+          </a:effectRef>
+          <a:fontRef idx="minor">
+            <a:schemeClr val="tx1"/>
+          </a:fontRef>
+        </p:style>
+      </p:cxnSp>
+      <p:cxnSp>
+        <p:nvCxnSpPr>
+          <p:cNvPr id="131" name="Gerade Verbindung mit Pfeil 130"/>
+          <p:cNvCxnSpPr>
+            <a:stCxn id="73" idx="3"/>
+            <a:endCxn id="68" idx="1"/>
+          </p:cNvCxnSpPr>
+          <p:nvPr/>
+        </p:nvCxnSpPr>
+        <p:spPr>
+          <a:xfrm flipV="1">
+            <a:off x="6115248" y="3928598"/>
+            <a:ext cx="766508" cy="6475"/>
+          </a:xfrm>
+          <a:prstGeom prst="straightConnector1">
+            <a:avLst/>
+          </a:prstGeom>
+          <a:ln w="25400">
+            <a:solidFill>
+              <a:schemeClr val="tx1"/>
+            </a:solidFill>
+            <a:tailEnd type="triangle"/>
+          </a:ln>
+        </p:spPr>
+        <p:style>
+          <a:lnRef idx="1">
+            <a:schemeClr val="accent1"/>
+          </a:lnRef>
+          <a:fillRef idx="0">
+            <a:schemeClr val="accent1"/>
+          </a:fillRef>
+          <a:effectRef idx="0">
+            <a:schemeClr val="accent1"/>
+          </a:effectRef>
+          <a:fontRef idx="minor">
+            <a:schemeClr val="tx1"/>
+          </a:fontRef>
+        </p:style>
+      </p:cxnSp>
+      <p:cxnSp>
+        <p:nvCxnSpPr>
+          <p:cNvPr id="133" name="Gerade Verbindung mit Pfeil 132"/>
+          <p:cNvCxnSpPr>
+            <a:stCxn id="70" idx="3"/>
+            <a:endCxn id="69" idx="1"/>
+          </p:cNvCxnSpPr>
+          <p:nvPr/>
+        </p:nvCxnSpPr>
+        <p:spPr>
+          <a:xfrm>
+            <a:off x="6115250" y="6038707"/>
+            <a:ext cx="766505" cy="4469"/>
+          </a:xfrm>
+          <a:prstGeom prst="straightConnector1">
+            <a:avLst/>
+          </a:prstGeom>
+          <a:ln w="25400">
+            <a:solidFill>
+              <a:schemeClr val="tx1"/>
+            </a:solidFill>
+            <a:tailEnd type="triangle"/>
+          </a:ln>
+        </p:spPr>
+        <p:style>
+          <a:lnRef idx="1">
+            <a:schemeClr val="accent1"/>
+          </a:lnRef>
+          <a:fillRef idx="0">
+            <a:schemeClr val="accent1"/>
+          </a:fillRef>
+          <a:effectRef idx="0">
+            <a:schemeClr val="accent1"/>
+          </a:effectRef>
+          <a:fontRef idx="minor">
+            <a:schemeClr val="tx1"/>
+          </a:fontRef>
+        </p:style>
+      </p:cxnSp>
     </p:spTree>
     <p:extLst>
       <p:ext uri="{BB962C8B-B14F-4D97-AF65-F5344CB8AC3E}">
-        <p14:creationId xmlns:p14="http://schemas.microsoft.com/office/powerpoint/2010/main" val="966163430"/>
+        <p14:creationId xmlns:p14="http://schemas.microsoft.com/office/powerpoint/2010/main" val="2113502957"/>
+      </p:ext>
+    </p:extLst>
+  </p:cSld>
+  <p:clrMapOvr>
+    <a:masterClrMapping/>
+  </p:clrMapOvr>
+</p:sld>
+</file>
+
+<file path=ppt/slides/slide3.xml><?xml version="1.0" encoding="utf-8"?>
+<p:sld xmlns:a="http://schemas.openxmlformats.org/drawingml/2006/main" xmlns:r="http://schemas.openxmlformats.org/officeDocument/2006/relationships" xmlns:p="http://schemas.openxmlformats.org/presentationml/2006/main">
+  <p:cSld>
+    <p:spTree>
+      <p:nvGrpSpPr>
+        <p:cNvPr id="1" name=""/>
+        <p:cNvGrpSpPr/>
+        <p:nvPr/>
+      </p:nvGrpSpPr>
+      <p:grpSpPr>
+        <a:xfrm>
+          <a:off x="0" y="0"/>
+          <a:ext cx="0" cy="0"/>
+          <a:chOff x="0" y="0"/>
+          <a:chExt cx="0" cy="0"/>
+        </a:xfrm>
+      </p:grpSpPr>
+      <p:sp>
+        <p:nvSpPr>
+          <p:cNvPr id="4" name="Rechteck 3"/>
+          <p:cNvSpPr/>
+          <p:nvPr/>
+        </p:nvSpPr>
+        <p:spPr>
+          <a:xfrm>
+            <a:off x="161797" y="2353606"/>
+            <a:ext cx="1137614" cy="659102"/>
+          </a:xfrm>
+          <a:prstGeom prst="rect">
+            <a:avLst/>
+          </a:prstGeom>
+          <a:solidFill>
+            <a:schemeClr val="bg1"/>
+          </a:solidFill>
+          <a:ln w="19050">
+            <a:solidFill>
+              <a:schemeClr val="tx1"/>
+            </a:solidFill>
+          </a:ln>
+        </p:spPr>
+        <p:style>
+          <a:lnRef idx="2">
+            <a:schemeClr val="accent1">
+              <a:shade val="50000"/>
+            </a:schemeClr>
+          </a:lnRef>
+          <a:fillRef idx="1">
+            <a:schemeClr val="accent1"/>
+          </a:fillRef>
+          <a:effectRef idx="0">
+            <a:schemeClr val="accent1"/>
+          </a:effectRef>
+          <a:fontRef idx="minor">
+            <a:schemeClr val="lt1"/>
+          </a:fontRef>
+        </p:style>
+        <p:txBody>
+          <a:bodyPr rtlCol="0" anchor="ctr"/>
+          <a:lstStyle/>
+          <a:p>
+            <a:pPr algn="ctr"/>
+            <a:r>
+              <a:rPr lang="de-DE" b="1" dirty="0" smtClean="0">
+                <a:solidFill>
+                  <a:schemeClr val="tx1"/>
+                </a:solidFill>
+              </a:rPr>
+              <a:t>Sensor 1:</a:t>
+            </a:r>
+          </a:p>
+          <a:p>
+            <a:pPr algn="ctr"/>
+            <a:r>
+              <a:rPr lang="de-DE" b="1" dirty="0" smtClean="0">
+                <a:solidFill>
+                  <a:schemeClr val="tx1"/>
+                </a:solidFill>
+              </a:rPr>
+              <a:t>MPU6050</a:t>
+            </a:r>
+            <a:endParaRPr lang="de-DE" b="1" dirty="0">
+              <a:solidFill>
+                <a:schemeClr val="tx1"/>
+              </a:solidFill>
+            </a:endParaRPr>
+          </a:p>
+        </p:txBody>
+      </p:sp>
+      <p:sp>
+        <p:nvSpPr>
+          <p:cNvPr id="5" name="Rechteck 4"/>
+          <p:cNvSpPr/>
+          <p:nvPr/>
+        </p:nvSpPr>
+        <p:spPr>
+          <a:xfrm>
+            <a:off x="1644088" y="2353606"/>
+            <a:ext cx="1137614" cy="659102"/>
+          </a:xfrm>
+          <a:prstGeom prst="rect">
+            <a:avLst/>
+          </a:prstGeom>
+          <a:solidFill>
+            <a:schemeClr val="bg1"/>
+          </a:solidFill>
+          <a:ln w="19050">
+            <a:solidFill>
+              <a:schemeClr val="tx1"/>
+            </a:solidFill>
+          </a:ln>
+        </p:spPr>
+        <p:style>
+          <a:lnRef idx="2">
+            <a:schemeClr val="accent1">
+              <a:shade val="50000"/>
+            </a:schemeClr>
+          </a:lnRef>
+          <a:fillRef idx="1">
+            <a:schemeClr val="accent1"/>
+          </a:fillRef>
+          <a:effectRef idx="0">
+            <a:schemeClr val="accent1"/>
+          </a:effectRef>
+          <a:fontRef idx="minor">
+            <a:schemeClr val="lt1"/>
+          </a:fontRef>
+        </p:style>
+        <p:txBody>
+          <a:bodyPr rtlCol="0" anchor="ctr"/>
+          <a:lstStyle/>
+          <a:p>
+            <a:pPr algn="ctr"/>
+            <a:r>
+              <a:rPr lang="de-DE" b="1" dirty="0" smtClean="0">
+                <a:solidFill>
+                  <a:schemeClr val="tx1"/>
+                </a:solidFill>
+              </a:rPr>
+              <a:t>Sensor 2:</a:t>
+            </a:r>
+          </a:p>
+          <a:p>
+            <a:pPr algn="ctr"/>
+            <a:r>
+              <a:rPr lang="de-DE" b="1" dirty="0" smtClean="0">
+                <a:solidFill>
+                  <a:schemeClr val="tx1"/>
+                </a:solidFill>
+              </a:rPr>
+              <a:t>MPU6050</a:t>
+            </a:r>
+            <a:endParaRPr lang="de-DE" b="1" dirty="0">
+              <a:solidFill>
+                <a:schemeClr val="tx1"/>
+              </a:solidFill>
+            </a:endParaRPr>
+          </a:p>
+        </p:txBody>
+      </p:sp>
+      <p:cxnSp>
+        <p:nvCxnSpPr>
+          <p:cNvPr id="6" name="Gewinkelte Verbindung 5"/>
+          <p:cNvCxnSpPr>
+            <a:stCxn id="17" idx="0"/>
+            <a:endCxn id="4" idx="2"/>
+          </p:cNvCxnSpPr>
+          <p:nvPr/>
+        </p:nvCxnSpPr>
+        <p:spPr>
+          <a:xfrm rot="16200000" flipV="1">
+            <a:off x="794003" y="2949309"/>
+            <a:ext cx="619162" cy="745959"/>
+          </a:xfrm>
+          <a:prstGeom prst="bentConnector3">
+            <a:avLst>
+              <a:gd name="adj1" fmla="val 50000"/>
+            </a:avLst>
+          </a:prstGeom>
+          <a:ln w="25400">
+            <a:solidFill>
+              <a:schemeClr val="tx1"/>
+            </a:solidFill>
+            <a:tailEnd type="triangle"/>
+          </a:ln>
+        </p:spPr>
+        <p:style>
+          <a:lnRef idx="1">
+            <a:schemeClr val="accent1"/>
+          </a:lnRef>
+          <a:fillRef idx="0">
+            <a:schemeClr val="accent1"/>
+          </a:fillRef>
+          <a:effectRef idx="0">
+            <a:schemeClr val="accent1"/>
+          </a:effectRef>
+          <a:fontRef idx="minor">
+            <a:schemeClr val="tx1"/>
+          </a:fontRef>
+        </p:style>
+      </p:cxnSp>
+      <p:cxnSp>
+        <p:nvCxnSpPr>
+          <p:cNvPr id="7" name="Gewinkelte Verbindung 6"/>
+          <p:cNvCxnSpPr>
+            <a:endCxn id="5" idx="2"/>
+          </p:cNvCxnSpPr>
+          <p:nvPr/>
+        </p:nvCxnSpPr>
+        <p:spPr>
+          <a:xfrm rot="5400000" flipH="1" flipV="1">
+            <a:off x="1532742" y="2951717"/>
+            <a:ext cx="619161" cy="741145"/>
+          </a:xfrm>
+          <a:prstGeom prst="bentConnector3">
+            <a:avLst>
+              <a:gd name="adj1" fmla="val 50000"/>
+            </a:avLst>
+          </a:prstGeom>
+          <a:ln w="25400">
+            <a:solidFill>
+              <a:schemeClr val="tx1"/>
+            </a:solidFill>
+            <a:headEnd type="triangle"/>
+            <a:tailEnd type="triangle"/>
+          </a:ln>
+        </p:spPr>
+        <p:style>
+          <a:lnRef idx="1">
+            <a:schemeClr val="accent1"/>
+          </a:lnRef>
+          <a:fillRef idx="0">
+            <a:schemeClr val="accent1"/>
+          </a:fillRef>
+          <a:effectRef idx="0">
+            <a:schemeClr val="accent1"/>
+          </a:effectRef>
+          <a:fontRef idx="minor">
+            <a:schemeClr val="tx1"/>
+          </a:fontRef>
+        </p:style>
+      </p:cxnSp>
+      <p:sp>
+        <p:nvSpPr>
+          <p:cNvPr id="8" name="Rechteck 7"/>
+          <p:cNvSpPr/>
+          <p:nvPr/>
+        </p:nvSpPr>
+        <p:spPr>
+          <a:xfrm>
+            <a:off x="3350279" y="2353606"/>
+            <a:ext cx="1137614" cy="659102"/>
+          </a:xfrm>
+          <a:prstGeom prst="rect">
+            <a:avLst/>
+          </a:prstGeom>
+          <a:solidFill>
+            <a:schemeClr val="bg1"/>
+          </a:solidFill>
+          <a:ln w="19050">
+            <a:solidFill>
+              <a:schemeClr val="tx1"/>
+            </a:solidFill>
+          </a:ln>
+        </p:spPr>
+        <p:style>
+          <a:lnRef idx="2">
+            <a:schemeClr val="accent1">
+              <a:shade val="50000"/>
+            </a:schemeClr>
+          </a:lnRef>
+          <a:fillRef idx="1">
+            <a:schemeClr val="accent1"/>
+          </a:fillRef>
+          <a:effectRef idx="0">
+            <a:schemeClr val="accent1"/>
+          </a:effectRef>
+          <a:fontRef idx="minor">
+            <a:schemeClr val="lt1"/>
+          </a:fontRef>
+        </p:style>
+        <p:txBody>
+          <a:bodyPr rtlCol="0" anchor="ctr"/>
+          <a:lstStyle/>
+          <a:p>
+            <a:pPr algn="ctr"/>
+            <a:r>
+              <a:rPr lang="de-DE" b="1" dirty="0" smtClean="0">
+                <a:solidFill>
+                  <a:schemeClr val="tx1"/>
+                </a:solidFill>
+              </a:rPr>
+              <a:t>Sensor </a:t>
+            </a:r>
+            <a:r>
+              <a:rPr lang="de-DE" b="1" dirty="0" smtClean="0">
+                <a:solidFill>
+                  <a:schemeClr val="tx1"/>
+                </a:solidFill>
+              </a:rPr>
+              <a:t>3:</a:t>
+            </a:r>
+            <a:endParaRPr lang="de-DE" b="1" dirty="0" smtClean="0">
+              <a:solidFill>
+                <a:schemeClr val="tx1"/>
+              </a:solidFill>
+            </a:endParaRPr>
+          </a:p>
+          <a:p>
+            <a:pPr algn="ctr"/>
+            <a:r>
+              <a:rPr lang="de-DE" b="1" dirty="0" smtClean="0">
+                <a:solidFill>
+                  <a:schemeClr val="tx1"/>
+                </a:solidFill>
+              </a:rPr>
+              <a:t>MPU6050</a:t>
+            </a:r>
+            <a:endParaRPr lang="de-DE" b="1" dirty="0">
+              <a:solidFill>
+                <a:schemeClr val="tx1"/>
+              </a:solidFill>
+            </a:endParaRPr>
+          </a:p>
+        </p:txBody>
+      </p:sp>
+      <p:sp>
+        <p:nvSpPr>
+          <p:cNvPr id="9" name="Rechteck 8"/>
+          <p:cNvSpPr/>
+          <p:nvPr/>
+        </p:nvSpPr>
+        <p:spPr>
+          <a:xfrm>
+            <a:off x="4832570" y="2353606"/>
+            <a:ext cx="1137614" cy="659102"/>
+          </a:xfrm>
+          <a:prstGeom prst="rect">
+            <a:avLst/>
+          </a:prstGeom>
+          <a:solidFill>
+            <a:schemeClr val="bg1"/>
+          </a:solidFill>
+          <a:ln w="19050">
+            <a:solidFill>
+              <a:schemeClr val="tx1"/>
+            </a:solidFill>
+          </a:ln>
+        </p:spPr>
+        <p:style>
+          <a:lnRef idx="2">
+            <a:schemeClr val="accent1">
+              <a:shade val="50000"/>
+            </a:schemeClr>
+          </a:lnRef>
+          <a:fillRef idx="1">
+            <a:schemeClr val="accent1"/>
+          </a:fillRef>
+          <a:effectRef idx="0">
+            <a:schemeClr val="accent1"/>
+          </a:effectRef>
+          <a:fontRef idx="minor">
+            <a:schemeClr val="lt1"/>
+          </a:fontRef>
+        </p:style>
+        <p:txBody>
+          <a:bodyPr rtlCol="0" anchor="ctr"/>
+          <a:lstStyle/>
+          <a:p>
+            <a:pPr algn="ctr"/>
+            <a:r>
+              <a:rPr lang="de-DE" b="1" dirty="0" smtClean="0">
+                <a:solidFill>
+                  <a:schemeClr val="tx1"/>
+                </a:solidFill>
+              </a:rPr>
+              <a:t>Sensor </a:t>
+            </a:r>
+            <a:r>
+              <a:rPr lang="de-DE" b="1" dirty="0" smtClean="0">
+                <a:solidFill>
+                  <a:schemeClr val="tx1"/>
+                </a:solidFill>
+              </a:rPr>
+              <a:t>4:</a:t>
+            </a:r>
+            <a:endParaRPr lang="de-DE" b="1" dirty="0" smtClean="0">
+              <a:solidFill>
+                <a:schemeClr val="tx1"/>
+              </a:solidFill>
+            </a:endParaRPr>
+          </a:p>
+          <a:p>
+            <a:pPr algn="ctr"/>
+            <a:r>
+              <a:rPr lang="de-DE" b="1" dirty="0" smtClean="0">
+                <a:solidFill>
+                  <a:schemeClr val="tx1"/>
+                </a:solidFill>
+              </a:rPr>
+              <a:t>MPU6050</a:t>
+            </a:r>
+            <a:endParaRPr lang="de-DE" b="1" dirty="0">
+              <a:solidFill>
+                <a:schemeClr val="tx1"/>
+              </a:solidFill>
+            </a:endParaRPr>
+          </a:p>
+        </p:txBody>
+      </p:sp>
+      <p:cxnSp>
+        <p:nvCxnSpPr>
+          <p:cNvPr id="10" name="Gewinkelte Verbindung 9"/>
+          <p:cNvCxnSpPr>
+            <a:endCxn id="8" idx="2"/>
+          </p:cNvCxnSpPr>
+          <p:nvPr/>
+        </p:nvCxnSpPr>
+        <p:spPr>
+          <a:xfrm rot="16200000" flipV="1">
+            <a:off x="3980079" y="2951716"/>
+            <a:ext cx="619161" cy="741146"/>
+          </a:xfrm>
+          <a:prstGeom prst="bentConnector3">
+            <a:avLst>
+              <a:gd name="adj1" fmla="val 50000"/>
+            </a:avLst>
+          </a:prstGeom>
+          <a:ln w="25400">
+            <a:solidFill>
+              <a:schemeClr val="tx1"/>
+            </a:solidFill>
+            <a:tailEnd type="triangle"/>
+          </a:ln>
+        </p:spPr>
+        <p:style>
+          <a:lnRef idx="1">
+            <a:schemeClr val="accent1"/>
+          </a:lnRef>
+          <a:fillRef idx="0">
+            <a:schemeClr val="accent1"/>
+          </a:fillRef>
+          <a:effectRef idx="0">
+            <a:schemeClr val="accent1"/>
+          </a:effectRef>
+          <a:fontRef idx="minor">
+            <a:schemeClr val="tx1"/>
+          </a:fontRef>
+        </p:style>
+      </p:cxnSp>
+      <p:cxnSp>
+        <p:nvCxnSpPr>
+          <p:cNvPr id="11" name="Gewinkelte Verbindung 10"/>
+          <p:cNvCxnSpPr>
+            <a:stCxn id="20" idx="0"/>
+            <a:endCxn id="9" idx="2"/>
+          </p:cNvCxnSpPr>
+          <p:nvPr/>
+        </p:nvCxnSpPr>
+        <p:spPr>
+          <a:xfrm rot="5400000" flipH="1" flipV="1">
+            <a:off x="4717212" y="2947706"/>
+            <a:ext cx="619162" cy="749167"/>
+          </a:xfrm>
+          <a:prstGeom prst="bentConnector3">
+            <a:avLst>
+              <a:gd name="adj1" fmla="val 50000"/>
+            </a:avLst>
+          </a:prstGeom>
+          <a:ln w="25400">
+            <a:solidFill>
+              <a:schemeClr val="tx1"/>
+            </a:solidFill>
+            <a:headEnd type="triangle"/>
+            <a:tailEnd type="triangle"/>
+          </a:ln>
+        </p:spPr>
+        <p:style>
+          <a:lnRef idx="1">
+            <a:schemeClr val="accent1"/>
+          </a:lnRef>
+          <a:fillRef idx="0">
+            <a:schemeClr val="accent1"/>
+          </a:fillRef>
+          <a:effectRef idx="0">
+            <a:schemeClr val="accent1"/>
+          </a:effectRef>
+          <a:fontRef idx="minor">
+            <a:schemeClr val="tx1"/>
+          </a:fontRef>
+        </p:style>
+      </p:cxnSp>
+      <p:sp>
+        <p:nvSpPr>
+          <p:cNvPr id="12" name="Rechteck 11"/>
+          <p:cNvSpPr/>
+          <p:nvPr/>
+        </p:nvSpPr>
+        <p:spPr>
+          <a:xfrm>
+            <a:off x="6538761" y="2353606"/>
+            <a:ext cx="1137614" cy="659102"/>
+          </a:xfrm>
+          <a:prstGeom prst="rect">
+            <a:avLst/>
+          </a:prstGeom>
+          <a:solidFill>
+            <a:schemeClr val="bg1"/>
+          </a:solidFill>
+          <a:ln w="19050">
+            <a:solidFill>
+              <a:schemeClr val="tx1"/>
+            </a:solidFill>
+          </a:ln>
+        </p:spPr>
+        <p:style>
+          <a:lnRef idx="2">
+            <a:schemeClr val="accent1">
+              <a:shade val="50000"/>
+            </a:schemeClr>
+          </a:lnRef>
+          <a:fillRef idx="1">
+            <a:schemeClr val="accent1"/>
+          </a:fillRef>
+          <a:effectRef idx="0">
+            <a:schemeClr val="accent1"/>
+          </a:effectRef>
+          <a:fontRef idx="minor">
+            <a:schemeClr val="lt1"/>
+          </a:fontRef>
+        </p:style>
+        <p:txBody>
+          <a:bodyPr rtlCol="0" anchor="ctr"/>
+          <a:lstStyle/>
+          <a:p>
+            <a:pPr algn="ctr"/>
+            <a:r>
+              <a:rPr lang="de-DE" b="1" dirty="0" smtClean="0">
+                <a:solidFill>
+                  <a:schemeClr val="tx1"/>
+                </a:solidFill>
+              </a:rPr>
+              <a:t>Sensor </a:t>
+            </a:r>
+            <a:r>
+              <a:rPr lang="de-DE" b="1" dirty="0" smtClean="0">
+                <a:solidFill>
+                  <a:schemeClr val="tx1"/>
+                </a:solidFill>
+              </a:rPr>
+              <a:t>5:</a:t>
+            </a:r>
+            <a:endParaRPr lang="de-DE" b="1" dirty="0" smtClean="0">
+              <a:solidFill>
+                <a:schemeClr val="tx1"/>
+              </a:solidFill>
+            </a:endParaRPr>
+          </a:p>
+          <a:p>
+            <a:pPr algn="ctr"/>
+            <a:r>
+              <a:rPr lang="de-DE" b="1" dirty="0" smtClean="0">
+                <a:solidFill>
+                  <a:schemeClr val="tx1"/>
+                </a:solidFill>
+              </a:rPr>
+              <a:t>MPU6050</a:t>
+            </a:r>
+            <a:endParaRPr lang="de-DE" b="1" dirty="0">
+              <a:solidFill>
+                <a:schemeClr val="tx1"/>
+              </a:solidFill>
+            </a:endParaRPr>
+          </a:p>
+        </p:txBody>
+      </p:sp>
+      <p:sp>
+        <p:nvSpPr>
+          <p:cNvPr id="13" name="Rechteck 12"/>
+          <p:cNvSpPr/>
+          <p:nvPr/>
+        </p:nvSpPr>
+        <p:spPr>
+          <a:xfrm>
+            <a:off x="8021052" y="2353606"/>
+            <a:ext cx="1137614" cy="659102"/>
+          </a:xfrm>
+          <a:prstGeom prst="rect">
+            <a:avLst/>
+          </a:prstGeom>
+          <a:solidFill>
+            <a:schemeClr val="bg1"/>
+          </a:solidFill>
+          <a:ln w="19050">
+            <a:solidFill>
+              <a:schemeClr val="tx1"/>
+            </a:solidFill>
+          </a:ln>
+        </p:spPr>
+        <p:style>
+          <a:lnRef idx="2">
+            <a:schemeClr val="accent1">
+              <a:shade val="50000"/>
+            </a:schemeClr>
+          </a:lnRef>
+          <a:fillRef idx="1">
+            <a:schemeClr val="accent1"/>
+          </a:fillRef>
+          <a:effectRef idx="0">
+            <a:schemeClr val="accent1"/>
+          </a:effectRef>
+          <a:fontRef idx="minor">
+            <a:schemeClr val="lt1"/>
+          </a:fontRef>
+        </p:style>
+        <p:txBody>
+          <a:bodyPr rtlCol="0" anchor="ctr"/>
+          <a:lstStyle/>
+          <a:p>
+            <a:pPr algn="ctr"/>
+            <a:r>
+              <a:rPr lang="de-DE" b="1" dirty="0" smtClean="0">
+                <a:solidFill>
+                  <a:schemeClr val="tx1"/>
+                </a:solidFill>
+              </a:rPr>
+              <a:t>Sensor </a:t>
+            </a:r>
+            <a:r>
+              <a:rPr lang="de-DE" b="1" dirty="0" smtClean="0">
+                <a:solidFill>
+                  <a:schemeClr val="tx1"/>
+                </a:solidFill>
+              </a:rPr>
+              <a:t>6:</a:t>
+            </a:r>
+            <a:endParaRPr lang="de-DE" b="1" dirty="0" smtClean="0">
+              <a:solidFill>
+                <a:schemeClr val="tx1"/>
+              </a:solidFill>
+            </a:endParaRPr>
+          </a:p>
+          <a:p>
+            <a:pPr algn="ctr"/>
+            <a:r>
+              <a:rPr lang="de-DE" b="1" dirty="0" smtClean="0">
+                <a:solidFill>
+                  <a:schemeClr val="tx1"/>
+                </a:solidFill>
+              </a:rPr>
+              <a:t>MPU6050</a:t>
+            </a:r>
+            <a:endParaRPr lang="de-DE" b="1" dirty="0">
+              <a:solidFill>
+                <a:schemeClr val="tx1"/>
+              </a:solidFill>
+            </a:endParaRPr>
+          </a:p>
+        </p:txBody>
+      </p:sp>
+      <p:cxnSp>
+        <p:nvCxnSpPr>
+          <p:cNvPr id="14" name="Gewinkelte Verbindung 13"/>
+          <p:cNvCxnSpPr>
+            <a:endCxn id="12" idx="2"/>
+          </p:cNvCxnSpPr>
+          <p:nvPr/>
+        </p:nvCxnSpPr>
+        <p:spPr>
+          <a:xfrm rot="16200000" flipV="1">
+            <a:off x="7168561" y="2951716"/>
+            <a:ext cx="619161" cy="741146"/>
+          </a:xfrm>
+          <a:prstGeom prst="bentConnector3">
+            <a:avLst>
+              <a:gd name="adj1" fmla="val 50000"/>
+            </a:avLst>
+          </a:prstGeom>
+          <a:ln w="25400">
+            <a:solidFill>
+              <a:schemeClr val="tx1"/>
+            </a:solidFill>
+            <a:tailEnd type="triangle"/>
+          </a:ln>
+        </p:spPr>
+        <p:style>
+          <a:lnRef idx="1">
+            <a:schemeClr val="accent1"/>
+          </a:lnRef>
+          <a:fillRef idx="0">
+            <a:schemeClr val="accent1"/>
+          </a:fillRef>
+          <a:effectRef idx="0">
+            <a:schemeClr val="accent1"/>
+          </a:effectRef>
+          <a:fontRef idx="minor">
+            <a:schemeClr val="tx1"/>
+          </a:fontRef>
+        </p:style>
+      </p:cxnSp>
+      <p:cxnSp>
+        <p:nvCxnSpPr>
+          <p:cNvPr id="15" name="Gewinkelte Verbindung 14"/>
+          <p:cNvCxnSpPr>
+            <a:stCxn id="23" idx="0"/>
+            <a:endCxn id="13" idx="2"/>
+          </p:cNvCxnSpPr>
+          <p:nvPr/>
+        </p:nvCxnSpPr>
+        <p:spPr>
+          <a:xfrm rot="5400000" flipH="1" flipV="1">
+            <a:off x="7909705" y="2951717"/>
+            <a:ext cx="619162" cy="741145"/>
+          </a:xfrm>
+          <a:prstGeom prst="bentConnector3">
+            <a:avLst>
+              <a:gd name="adj1" fmla="val 50000"/>
+            </a:avLst>
+          </a:prstGeom>
+          <a:ln w="25400">
+            <a:solidFill>
+              <a:schemeClr val="tx1"/>
+            </a:solidFill>
+            <a:headEnd type="triangle"/>
+            <a:tailEnd type="triangle"/>
+          </a:ln>
+        </p:spPr>
+        <p:style>
+          <a:lnRef idx="1">
+            <a:schemeClr val="accent1"/>
+          </a:lnRef>
+          <a:fillRef idx="0">
+            <a:schemeClr val="accent1"/>
+          </a:fillRef>
+          <a:effectRef idx="0">
+            <a:schemeClr val="accent1"/>
+          </a:effectRef>
+          <a:fontRef idx="minor">
+            <a:schemeClr val="tx1"/>
+          </a:fontRef>
+        </p:style>
+      </p:cxnSp>
+      <p:sp>
+        <p:nvSpPr>
+          <p:cNvPr id="16" name="Rechteck 15"/>
+          <p:cNvSpPr/>
+          <p:nvPr/>
+        </p:nvSpPr>
+        <p:spPr>
+          <a:xfrm>
+            <a:off x="161798" y="3631869"/>
+            <a:ext cx="8996869" cy="1344327"/>
+          </a:xfrm>
+          <a:prstGeom prst="rect">
+            <a:avLst/>
+          </a:prstGeom>
+          <a:solidFill>
+            <a:schemeClr val="bg1"/>
+          </a:solidFill>
+          <a:ln w="19050">
+            <a:solidFill>
+              <a:schemeClr val="tx1"/>
+            </a:solidFill>
+          </a:ln>
+        </p:spPr>
+        <p:style>
+          <a:lnRef idx="2">
+            <a:schemeClr val="accent1">
+              <a:shade val="50000"/>
+            </a:schemeClr>
+          </a:lnRef>
+          <a:fillRef idx="1">
+            <a:schemeClr val="accent1"/>
+          </a:fillRef>
+          <a:effectRef idx="0">
+            <a:schemeClr val="accent1"/>
+          </a:effectRef>
+          <a:fontRef idx="minor">
+            <a:schemeClr val="lt1"/>
+          </a:fontRef>
+        </p:style>
+        <p:txBody>
+          <a:bodyPr rtlCol="0" anchor="ctr"/>
+          <a:lstStyle/>
+          <a:p>
+            <a:pPr algn="ctr"/>
+            <a:r>
+              <a:rPr lang="de-DE" b="1" dirty="0" smtClean="0">
+                <a:solidFill>
+                  <a:schemeClr val="tx1"/>
+                </a:solidFill>
+              </a:rPr>
+              <a:t>Analog Switch</a:t>
+            </a:r>
+            <a:endParaRPr lang="de-DE" b="1" dirty="0">
+              <a:solidFill>
+                <a:schemeClr val="tx1"/>
+              </a:solidFill>
+            </a:endParaRPr>
+          </a:p>
+        </p:txBody>
+      </p:sp>
+      <p:sp>
+        <p:nvSpPr>
+          <p:cNvPr id="17" name="Rechteck 16"/>
+          <p:cNvSpPr/>
+          <p:nvPr/>
+        </p:nvSpPr>
+        <p:spPr>
+          <a:xfrm>
+            <a:off x="730604" y="3631870"/>
+            <a:ext cx="1491917" cy="342614"/>
+          </a:xfrm>
+          <a:prstGeom prst="rect">
+            <a:avLst/>
+          </a:prstGeom>
+          <a:solidFill>
+            <a:schemeClr val="bg1"/>
+          </a:solidFill>
+          <a:ln w="19050">
+            <a:solidFill>
+              <a:schemeClr val="tx1"/>
+            </a:solidFill>
+          </a:ln>
+        </p:spPr>
+        <p:style>
+          <a:lnRef idx="2">
+            <a:schemeClr val="accent1">
+              <a:shade val="50000"/>
+            </a:schemeClr>
+          </a:lnRef>
+          <a:fillRef idx="1">
+            <a:schemeClr val="accent1"/>
+          </a:fillRef>
+          <a:effectRef idx="0">
+            <a:schemeClr val="accent1"/>
+          </a:effectRef>
+          <a:fontRef idx="minor">
+            <a:schemeClr val="lt1"/>
+          </a:fontRef>
+        </p:style>
+        <p:txBody>
+          <a:bodyPr rtlCol="0" anchor="ctr"/>
+          <a:lstStyle/>
+          <a:p>
+            <a:pPr algn="ctr"/>
+            <a:r>
+              <a:rPr lang="de-DE" dirty="0" smtClean="0">
+                <a:solidFill>
+                  <a:srgbClr val="002060"/>
+                </a:solidFill>
+              </a:rPr>
+              <a:t>I</a:t>
+            </a:r>
+            <a:r>
+              <a:rPr lang="de-DE" baseline="30000" dirty="0" smtClean="0">
+                <a:solidFill>
+                  <a:srgbClr val="002060"/>
+                </a:solidFill>
+              </a:rPr>
+              <a:t>2</a:t>
+            </a:r>
+            <a:r>
+              <a:rPr lang="de-DE" dirty="0" smtClean="0">
+                <a:solidFill>
+                  <a:srgbClr val="002060"/>
+                </a:solidFill>
+              </a:rPr>
+              <a:t>C 1</a:t>
+            </a:r>
+            <a:endParaRPr lang="de-DE" dirty="0" smtClean="0">
+              <a:solidFill>
+                <a:srgbClr val="002060"/>
+              </a:solidFill>
+            </a:endParaRPr>
+          </a:p>
+        </p:txBody>
+      </p:sp>
+      <p:sp>
+        <p:nvSpPr>
+          <p:cNvPr id="20" name="Rechteck 19"/>
+          <p:cNvSpPr/>
+          <p:nvPr/>
+        </p:nvSpPr>
+        <p:spPr>
+          <a:xfrm>
+            <a:off x="3906251" y="3631870"/>
+            <a:ext cx="1491917" cy="342614"/>
+          </a:xfrm>
+          <a:prstGeom prst="rect">
+            <a:avLst/>
+          </a:prstGeom>
+          <a:solidFill>
+            <a:schemeClr val="bg1"/>
+          </a:solidFill>
+          <a:ln w="19050">
+            <a:solidFill>
+              <a:schemeClr val="tx1"/>
+            </a:solidFill>
+          </a:ln>
+        </p:spPr>
+        <p:style>
+          <a:lnRef idx="2">
+            <a:schemeClr val="accent1">
+              <a:shade val="50000"/>
+            </a:schemeClr>
+          </a:lnRef>
+          <a:fillRef idx="1">
+            <a:schemeClr val="accent1"/>
+          </a:fillRef>
+          <a:effectRef idx="0">
+            <a:schemeClr val="accent1"/>
+          </a:effectRef>
+          <a:fontRef idx="minor">
+            <a:schemeClr val="lt1"/>
+          </a:fontRef>
+        </p:style>
+        <p:txBody>
+          <a:bodyPr rtlCol="0" anchor="ctr"/>
+          <a:lstStyle/>
+          <a:p>
+            <a:pPr algn="ctr"/>
+            <a:r>
+              <a:rPr lang="de-DE" dirty="0" smtClean="0">
+                <a:solidFill>
+                  <a:srgbClr val="002060"/>
+                </a:solidFill>
+              </a:rPr>
+              <a:t>I</a:t>
+            </a:r>
+            <a:r>
+              <a:rPr lang="de-DE" baseline="30000" dirty="0" smtClean="0">
+                <a:solidFill>
+                  <a:srgbClr val="002060"/>
+                </a:solidFill>
+              </a:rPr>
+              <a:t>2</a:t>
+            </a:r>
+            <a:r>
+              <a:rPr lang="de-DE" dirty="0" smtClean="0">
+                <a:solidFill>
+                  <a:srgbClr val="002060"/>
+                </a:solidFill>
+              </a:rPr>
+              <a:t>C 2</a:t>
+            </a:r>
+            <a:endParaRPr lang="de-DE" dirty="0" smtClean="0">
+              <a:solidFill>
+                <a:srgbClr val="002060"/>
+              </a:solidFill>
+            </a:endParaRPr>
+          </a:p>
+        </p:txBody>
+      </p:sp>
+      <p:sp>
+        <p:nvSpPr>
+          <p:cNvPr id="23" name="Rechteck 22"/>
+          <p:cNvSpPr/>
+          <p:nvPr/>
+        </p:nvSpPr>
+        <p:spPr>
+          <a:xfrm>
+            <a:off x="7102755" y="3631870"/>
+            <a:ext cx="1491917" cy="342614"/>
+          </a:xfrm>
+          <a:prstGeom prst="rect">
+            <a:avLst/>
+          </a:prstGeom>
+          <a:solidFill>
+            <a:schemeClr val="bg1"/>
+          </a:solidFill>
+          <a:ln w="19050">
+            <a:solidFill>
+              <a:schemeClr val="tx1"/>
+            </a:solidFill>
+          </a:ln>
+        </p:spPr>
+        <p:style>
+          <a:lnRef idx="2">
+            <a:schemeClr val="accent1">
+              <a:shade val="50000"/>
+            </a:schemeClr>
+          </a:lnRef>
+          <a:fillRef idx="1">
+            <a:schemeClr val="accent1"/>
+          </a:fillRef>
+          <a:effectRef idx="0">
+            <a:schemeClr val="accent1"/>
+          </a:effectRef>
+          <a:fontRef idx="minor">
+            <a:schemeClr val="lt1"/>
+          </a:fontRef>
+        </p:style>
+        <p:txBody>
+          <a:bodyPr rtlCol="0" anchor="ctr"/>
+          <a:lstStyle/>
+          <a:p>
+            <a:pPr algn="ctr"/>
+            <a:r>
+              <a:rPr lang="de-DE" dirty="0" smtClean="0">
+                <a:solidFill>
+                  <a:srgbClr val="002060"/>
+                </a:solidFill>
+              </a:rPr>
+              <a:t>I</a:t>
+            </a:r>
+            <a:r>
+              <a:rPr lang="de-DE" baseline="30000" dirty="0" smtClean="0">
+                <a:solidFill>
+                  <a:srgbClr val="002060"/>
+                </a:solidFill>
+              </a:rPr>
+              <a:t>2</a:t>
+            </a:r>
+            <a:r>
+              <a:rPr lang="de-DE" dirty="0" smtClean="0">
+                <a:solidFill>
+                  <a:srgbClr val="002060"/>
+                </a:solidFill>
+              </a:rPr>
+              <a:t>C 3</a:t>
+            </a:r>
+            <a:endParaRPr lang="de-DE" dirty="0" smtClean="0">
+              <a:solidFill>
+                <a:srgbClr val="002060"/>
+              </a:solidFill>
+            </a:endParaRPr>
+          </a:p>
+        </p:txBody>
+      </p:sp>
+      <p:sp>
+        <p:nvSpPr>
+          <p:cNvPr id="26" name="Rechteck 25"/>
+          <p:cNvSpPr/>
+          <p:nvPr/>
+        </p:nvSpPr>
+        <p:spPr>
+          <a:xfrm>
+            <a:off x="730604" y="4633585"/>
+            <a:ext cx="1491917" cy="342614"/>
+          </a:xfrm>
+          <a:prstGeom prst="rect">
+            <a:avLst/>
+          </a:prstGeom>
+          <a:solidFill>
+            <a:schemeClr val="bg1"/>
+          </a:solidFill>
+          <a:ln w="19050">
+            <a:solidFill>
+              <a:schemeClr val="tx1"/>
+            </a:solidFill>
+          </a:ln>
+        </p:spPr>
+        <p:style>
+          <a:lnRef idx="2">
+            <a:schemeClr val="accent1">
+              <a:shade val="50000"/>
+            </a:schemeClr>
+          </a:lnRef>
+          <a:fillRef idx="1">
+            <a:schemeClr val="accent1"/>
+          </a:fillRef>
+          <a:effectRef idx="0">
+            <a:schemeClr val="accent1"/>
+          </a:effectRef>
+          <a:fontRef idx="minor">
+            <a:schemeClr val="lt1"/>
+          </a:fontRef>
+        </p:style>
+        <p:txBody>
+          <a:bodyPr rtlCol="0" anchor="ctr"/>
+          <a:lstStyle/>
+          <a:p>
+            <a:pPr algn="ctr"/>
+            <a:r>
+              <a:rPr lang="de-DE" dirty="0" smtClean="0">
+                <a:solidFill>
+                  <a:srgbClr val="002060"/>
+                </a:solidFill>
+              </a:rPr>
+              <a:t>I</a:t>
+            </a:r>
+            <a:r>
+              <a:rPr lang="de-DE" baseline="30000" dirty="0" smtClean="0">
+                <a:solidFill>
+                  <a:srgbClr val="002060"/>
+                </a:solidFill>
+              </a:rPr>
+              <a:t>2</a:t>
+            </a:r>
+            <a:r>
+              <a:rPr lang="de-DE" dirty="0" smtClean="0">
+                <a:solidFill>
+                  <a:srgbClr val="002060"/>
+                </a:solidFill>
+              </a:rPr>
+              <a:t>C 2</a:t>
+            </a:r>
+            <a:endParaRPr lang="de-DE" dirty="0" smtClean="0">
+              <a:solidFill>
+                <a:srgbClr val="002060"/>
+              </a:solidFill>
+            </a:endParaRPr>
+          </a:p>
+        </p:txBody>
+      </p:sp>
+      <p:sp>
+        <p:nvSpPr>
+          <p:cNvPr id="29" name="Rechteck 28"/>
+          <p:cNvSpPr/>
+          <p:nvPr/>
+        </p:nvSpPr>
+        <p:spPr>
+          <a:xfrm>
+            <a:off x="5652089" y="4633584"/>
+            <a:ext cx="1753288" cy="342614"/>
+          </a:xfrm>
+          <a:prstGeom prst="rect">
+            <a:avLst/>
+          </a:prstGeom>
+          <a:solidFill>
+            <a:schemeClr val="bg1"/>
+          </a:solidFill>
+          <a:ln w="19050">
+            <a:solidFill>
+              <a:schemeClr val="tx1"/>
+            </a:solidFill>
+          </a:ln>
+        </p:spPr>
+        <p:style>
+          <a:lnRef idx="2">
+            <a:schemeClr val="accent1">
+              <a:shade val="50000"/>
+            </a:schemeClr>
+          </a:lnRef>
+          <a:fillRef idx="1">
+            <a:schemeClr val="accent1"/>
+          </a:fillRef>
+          <a:effectRef idx="0">
+            <a:schemeClr val="accent1"/>
+          </a:effectRef>
+          <a:fontRef idx="minor">
+            <a:schemeClr val="lt1"/>
+          </a:fontRef>
+        </p:style>
+        <p:txBody>
+          <a:bodyPr rtlCol="0" anchor="ctr"/>
+          <a:lstStyle/>
+          <a:p>
+            <a:pPr algn="ctr"/>
+            <a:r>
+              <a:rPr lang="de-DE" dirty="0" smtClean="0">
+                <a:solidFill>
+                  <a:srgbClr val="002060"/>
+                </a:solidFill>
+              </a:rPr>
+              <a:t>Channel Select 1</a:t>
+            </a:r>
+            <a:endParaRPr lang="de-DE" dirty="0" smtClean="0">
+              <a:solidFill>
+                <a:srgbClr val="002060"/>
+              </a:solidFill>
+            </a:endParaRPr>
+          </a:p>
+        </p:txBody>
+      </p:sp>
+      <p:sp>
+        <p:nvSpPr>
+          <p:cNvPr id="30" name="Rechteck 29"/>
+          <p:cNvSpPr/>
+          <p:nvPr/>
+        </p:nvSpPr>
+        <p:spPr>
+          <a:xfrm>
+            <a:off x="7405378" y="4633585"/>
+            <a:ext cx="1753288" cy="342614"/>
+          </a:xfrm>
+          <a:prstGeom prst="rect">
+            <a:avLst/>
+          </a:prstGeom>
+          <a:solidFill>
+            <a:schemeClr val="bg1"/>
+          </a:solidFill>
+          <a:ln w="19050">
+            <a:solidFill>
+              <a:schemeClr val="tx1"/>
+            </a:solidFill>
+          </a:ln>
+        </p:spPr>
+        <p:style>
+          <a:lnRef idx="2">
+            <a:schemeClr val="accent1">
+              <a:shade val="50000"/>
+            </a:schemeClr>
+          </a:lnRef>
+          <a:fillRef idx="1">
+            <a:schemeClr val="accent1"/>
+          </a:fillRef>
+          <a:effectRef idx="0">
+            <a:schemeClr val="accent1"/>
+          </a:effectRef>
+          <a:fontRef idx="minor">
+            <a:schemeClr val="lt1"/>
+          </a:fontRef>
+        </p:style>
+        <p:txBody>
+          <a:bodyPr rtlCol="0" anchor="ctr"/>
+          <a:lstStyle/>
+          <a:p>
+            <a:pPr algn="ctr"/>
+            <a:r>
+              <a:rPr lang="de-DE" dirty="0" smtClean="0">
+                <a:solidFill>
+                  <a:srgbClr val="002060"/>
+                </a:solidFill>
+              </a:rPr>
+              <a:t>Channel Select 2</a:t>
+            </a:r>
+            <a:endParaRPr lang="de-DE" dirty="0" smtClean="0">
+              <a:solidFill>
+                <a:srgbClr val="002060"/>
+              </a:solidFill>
+            </a:endParaRPr>
+          </a:p>
+        </p:txBody>
+      </p:sp>
+      <p:sp>
+        <p:nvSpPr>
+          <p:cNvPr id="31" name="Rechteck 30"/>
+          <p:cNvSpPr/>
+          <p:nvPr/>
+        </p:nvSpPr>
+        <p:spPr>
+          <a:xfrm>
+            <a:off x="3898801" y="4633584"/>
+            <a:ext cx="1753288" cy="342614"/>
+          </a:xfrm>
+          <a:prstGeom prst="rect">
+            <a:avLst/>
+          </a:prstGeom>
+          <a:solidFill>
+            <a:schemeClr val="bg1"/>
+          </a:solidFill>
+          <a:ln w="19050">
+            <a:solidFill>
+              <a:schemeClr val="tx1"/>
+            </a:solidFill>
+          </a:ln>
+        </p:spPr>
+        <p:style>
+          <a:lnRef idx="2">
+            <a:schemeClr val="accent1">
+              <a:shade val="50000"/>
+            </a:schemeClr>
+          </a:lnRef>
+          <a:fillRef idx="1">
+            <a:schemeClr val="accent1"/>
+          </a:fillRef>
+          <a:effectRef idx="0">
+            <a:schemeClr val="accent1"/>
+          </a:effectRef>
+          <a:fontRef idx="minor">
+            <a:schemeClr val="lt1"/>
+          </a:fontRef>
+        </p:style>
+        <p:txBody>
+          <a:bodyPr rtlCol="0" anchor="ctr"/>
+          <a:lstStyle/>
+          <a:p>
+            <a:pPr algn="ctr"/>
+            <a:r>
+              <a:rPr lang="de-DE" dirty="0" smtClean="0">
+                <a:solidFill>
+                  <a:srgbClr val="002060"/>
+                </a:solidFill>
+              </a:rPr>
+              <a:t>Channel Select 0</a:t>
+            </a:r>
+            <a:endParaRPr lang="de-DE" dirty="0" smtClean="0">
+              <a:solidFill>
+                <a:srgbClr val="002060"/>
+              </a:solidFill>
+            </a:endParaRPr>
+          </a:p>
+        </p:txBody>
+      </p:sp>
+      <p:sp>
+        <p:nvSpPr>
+          <p:cNvPr id="32" name="Rechteck 31"/>
+          <p:cNvSpPr/>
+          <p:nvPr/>
+        </p:nvSpPr>
+        <p:spPr>
+          <a:xfrm>
+            <a:off x="156295" y="5595354"/>
+            <a:ext cx="9002369" cy="1090404"/>
+          </a:xfrm>
+          <a:prstGeom prst="rect">
+            <a:avLst/>
+          </a:prstGeom>
+          <a:solidFill>
+            <a:schemeClr val="bg1"/>
+          </a:solidFill>
+          <a:ln w="19050">
+            <a:solidFill>
+              <a:schemeClr val="tx1"/>
+            </a:solidFill>
+          </a:ln>
+        </p:spPr>
+        <p:style>
+          <a:lnRef idx="2">
+            <a:schemeClr val="accent1">
+              <a:shade val="50000"/>
+            </a:schemeClr>
+          </a:lnRef>
+          <a:fillRef idx="1">
+            <a:schemeClr val="accent1"/>
+          </a:fillRef>
+          <a:effectRef idx="0">
+            <a:schemeClr val="accent1"/>
+          </a:effectRef>
+          <a:fontRef idx="minor">
+            <a:schemeClr val="lt1"/>
+          </a:fontRef>
+        </p:style>
+        <p:txBody>
+          <a:bodyPr rtlCol="0" anchor="ctr"/>
+          <a:lstStyle/>
+          <a:p>
+            <a:pPr algn="ctr"/>
+            <a:r>
+              <a:rPr lang="de-DE" b="1" dirty="0" err="1" smtClean="0">
+                <a:solidFill>
+                  <a:schemeClr val="tx1"/>
+                </a:solidFill>
+              </a:rPr>
+              <a:t>BeagleBone</a:t>
+            </a:r>
+            <a:r>
+              <a:rPr lang="de-DE" b="1" dirty="0" smtClean="0">
+                <a:solidFill>
+                  <a:schemeClr val="tx1"/>
+                </a:solidFill>
+              </a:rPr>
+              <a:t> Black</a:t>
+            </a:r>
+            <a:endParaRPr lang="de-DE" b="1" dirty="0">
+              <a:solidFill>
+                <a:schemeClr val="tx1"/>
+              </a:solidFill>
+            </a:endParaRPr>
+          </a:p>
+        </p:txBody>
+      </p:sp>
+      <p:sp>
+        <p:nvSpPr>
+          <p:cNvPr id="33" name="Rechteck 32"/>
+          <p:cNvSpPr/>
+          <p:nvPr/>
+        </p:nvSpPr>
+        <p:spPr>
+          <a:xfrm>
+            <a:off x="730604" y="5595354"/>
+            <a:ext cx="1491917" cy="342614"/>
+          </a:xfrm>
+          <a:prstGeom prst="rect">
+            <a:avLst/>
+          </a:prstGeom>
+          <a:solidFill>
+            <a:schemeClr val="bg1"/>
+          </a:solidFill>
+          <a:ln w="19050">
+            <a:solidFill>
+              <a:schemeClr val="tx1"/>
+            </a:solidFill>
+          </a:ln>
+        </p:spPr>
+        <p:style>
+          <a:lnRef idx="2">
+            <a:schemeClr val="accent1">
+              <a:shade val="50000"/>
+            </a:schemeClr>
+          </a:lnRef>
+          <a:fillRef idx="1">
+            <a:schemeClr val="accent1"/>
+          </a:fillRef>
+          <a:effectRef idx="0">
+            <a:schemeClr val="accent1"/>
+          </a:effectRef>
+          <a:fontRef idx="minor">
+            <a:schemeClr val="lt1"/>
+          </a:fontRef>
+        </p:style>
+        <p:txBody>
+          <a:bodyPr rtlCol="0" anchor="ctr"/>
+          <a:lstStyle/>
+          <a:p>
+            <a:pPr algn="ctr"/>
+            <a:r>
+              <a:rPr lang="de-DE" dirty="0" smtClean="0">
+                <a:solidFill>
+                  <a:srgbClr val="002060"/>
+                </a:solidFill>
+              </a:rPr>
+              <a:t>I</a:t>
+            </a:r>
+            <a:r>
+              <a:rPr lang="de-DE" baseline="30000" dirty="0" smtClean="0">
+                <a:solidFill>
+                  <a:srgbClr val="002060"/>
+                </a:solidFill>
+              </a:rPr>
+              <a:t>2</a:t>
+            </a:r>
+            <a:r>
+              <a:rPr lang="de-DE" dirty="0" smtClean="0">
+                <a:solidFill>
+                  <a:srgbClr val="002060"/>
+                </a:solidFill>
+              </a:rPr>
+              <a:t>C </a:t>
+            </a:r>
+            <a:endParaRPr lang="de-DE" dirty="0" smtClean="0">
+              <a:solidFill>
+                <a:srgbClr val="002060"/>
+              </a:solidFill>
+            </a:endParaRPr>
+          </a:p>
+        </p:txBody>
+      </p:sp>
+      <p:sp>
+        <p:nvSpPr>
+          <p:cNvPr id="34" name="Rechteck 33"/>
+          <p:cNvSpPr/>
+          <p:nvPr/>
+        </p:nvSpPr>
+        <p:spPr>
+          <a:xfrm>
+            <a:off x="7405377" y="5595354"/>
+            <a:ext cx="1753288" cy="342614"/>
+          </a:xfrm>
+          <a:prstGeom prst="rect">
+            <a:avLst/>
+          </a:prstGeom>
+          <a:solidFill>
+            <a:schemeClr val="bg1"/>
+          </a:solidFill>
+          <a:ln w="19050">
+            <a:solidFill>
+              <a:schemeClr val="tx1"/>
+            </a:solidFill>
+          </a:ln>
+        </p:spPr>
+        <p:style>
+          <a:lnRef idx="2">
+            <a:schemeClr val="accent1">
+              <a:shade val="50000"/>
+            </a:schemeClr>
+          </a:lnRef>
+          <a:fillRef idx="1">
+            <a:schemeClr val="accent1"/>
+          </a:fillRef>
+          <a:effectRef idx="0">
+            <a:schemeClr val="accent1"/>
+          </a:effectRef>
+          <a:fontRef idx="minor">
+            <a:schemeClr val="lt1"/>
+          </a:fontRef>
+        </p:style>
+        <p:txBody>
+          <a:bodyPr rtlCol="0" anchor="ctr"/>
+          <a:lstStyle/>
+          <a:p>
+            <a:pPr algn="ctr"/>
+            <a:r>
+              <a:rPr lang="de-DE" dirty="0" smtClean="0">
+                <a:solidFill>
+                  <a:srgbClr val="002060"/>
+                </a:solidFill>
+              </a:rPr>
+              <a:t>GPIO</a:t>
+            </a:r>
+            <a:endParaRPr lang="de-DE" dirty="0" smtClean="0">
+              <a:solidFill>
+                <a:srgbClr val="002060"/>
+              </a:solidFill>
+            </a:endParaRPr>
+          </a:p>
+        </p:txBody>
+      </p:sp>
+      <p:sp>
+        <p:nvSpPr>
+          <p:cNvPr id="35" name="Rechteck 34"/>
+          <p:cNvSpPr/>
+          <p:nvPr/>
+        </p:nvSpPr>
+        <p:spPr>
+          <a:xfrm>
+            <a:off x="5652088" y="5595354"/>
+            <a:ext cx="1753288" cy="342614"/>
+          </a:xfrm>
+          <a:prstGeom prst="rect">
+            <a:avLst/>
+          </a:prstGeom>
+          <a:solidFill>
+            <a:schemeClr val="bg1"/>
+          </a:solidFill>
+          <a:ln w="19050">
+            <a:solidFill>
+              <a:schemeClr val="tx1"/>
+            </a:solidFill>
+          </a:ln>
+        </p:spPr>
+        <p:style>
+          <a:lnRef idx="2">
+            <a:schemeClr val="accent1">
+              <a:shade val="50000"/>
+            </a:schemeClr>
+          </a:lnRef>
+          <a:fillRef idx="1">
+            <a:schemeClr val="accent1"/>
+          </a:fillRef>
+          <a:effectRef idx="0">
+            <a:schemeClr val="accent1"/>
+          </a:effectRef>
+          <a:fontRef idx="minor">
+            <a:schemeClr val="lt1"/>
+          </a:fontRef>
+        </p:style>
+        <p:txBody>
+          <a:bodyPr rtlCol="0" anchor="ctr"/>
+          <a:lstStyle/>
+          <a:p>
+            <a:pPr algn="ctr"/>
+            <a:r>
+              <a:rPr lang="de-DE" dirty="0" smtClean="0">
+                <a:solidFill>
+                  <a:srgbClr val="002060"/>
+                </a:solidFill>
+              </a:rPr>
+              <a:t>GPIO</a:t>
+            </a:r>
+            <a:endParaRPr lang="de-DE" dirty="0" smtClean="0">
+              <a:solidFill>
+                <a:srgbClr val="002060"/>
+              </a:solidFill>
+            </a:endParaRPr>
+          </a:p>
+        </p:txBody>
+      </p:sp>
+      <p:sp>
+        <p:nvSpPr>
+          <p:cNvPr id="36" name="Rechteck 35"/>
+          <p:cNvSpPr/>
+          <p:nvPr/>
+        </p:nvSpPr>
+        <p:spPr>
+          <a:xfrm>
+            <a:off x="3898801" y="5595354"/>
+            <a:ext cx="1753288" cy="342614"/>
+          </a:xfrm>
+          <a:prstGeom prst="rect">
+            <a:avLst/>
+          </a:prstGeom>
+          <a:solidFill>
+            <a:schemeClr val="bg1"/>
+          </a:solidFill>
+          <a:ln w="19050">
+            <a:solidFill>
+              <a:schemeClr val="tx1"/>
+            </a:solidFill>
+          </a:ln>
+        </p:spPr>
+        <p:style>
+          <a:lnRef idx="2">
+            <a:schemeClr val="accent1">
+              <a:shade val="50000"/>
+            </a:schemeClr>
+          </a:lnRef>
+          <a:fillRef idx="1">
+            <a:schemeClr val="accent1"/>
+          </a:fillRef>
+          <a:effectRef idx="0">
+            <a:schemeClr val="accent1"/>
+          </a:effectRef>
+          <a:fontRef idx="minor">
+            <a:schemeClr val="lt1"/>
+          </a:fontRef>
+        </p:style>
+        <p:txBody>
+          <a:bodyPr rtlCol="0" anchor="ctr"/>
+          <a:lstStyle/>
+          <a:p>
+            <a:pPr algn="ctr"/>
+            <a:r>
+              <a:rPr lang="de-DE" dirty="0" smtClean="0">
+                <a:solidFill>
+                  <a:srgbClr val="002060"/>
+                </a:solidFill>
+              </a:rPr>
+              <a:t>GPIO</a:t>
+            </a:r>
+            <a:endParaRPr lang="de-DE" dirty="0" smtClean="0">
+              <a:solidFill>
+                <a:srgbClr val="002060"/>
+              </a:solidFill>
+            </a:endParaRPr>
+          </a:p>
+        </p:txBody>
+      </p:sp>
+      <p:cxnSp>
+        <p:nvCxnSpPr>
+          <p:cNvPr id="37" name="Gewinkelte Verbindung 36"/>
+          <p:cNvCxnSpPr>
+            <a:stCxn id="33" idx="0"/>
+            <a:endCxn id="26" idx="2"/>
+          </p:cNvCxnSpPr>
+          <p:nvPr/>
+        </p:nvCxnSpPr>
+        <p:spPr>
+          <a:xfrm flipV="1">
+            <a:off x="1476563" y="4976199"/>
+            <a:ext cx="0" cy="619155"/>
+          </a:xfrm>
+          <a:prstGeom prst="straightConnector1">
+            <a:avLst/>
+          </a:prstGeom>
+          <a:ln w="25400">
+            <a:solidFill>
+              <a:schemeClr val="tx1"/>
+            </a:solidFill>
+            <a:headEnd type="triangle"/>
+            <a:tailEnd type="triangle"/>
+          </a:ln>
+        </p:spPr>
+        <p:style>
+          <a:lnRef idx="1">
+            <a:schemeClr val="accent1"/>
+          </a:lnRef>
+          <a:fillRef idx="0">
+            <a:schemeClr val="accent1"/>
+          </a:fillRef>
+          <a:effectRef idx="0">
+            <a:schemeClr val="accent1"/>
+          </a:effectRef>
+          <a:fontRef idx="minor">
+            <a:schemeClr val="tx1"/>
+          </a:fontRef>
+        </p:style>
+      </p:cxnSp>
+      <p:cxnSp>
+        <p:nvCxnSpPr>
+          <p:cNvPr id="42" name="Gewinkelte Verbindung 36"/>
+          <p:cNvCxnSpPr>
+            <a:stCxn id="36" idx="0"/>
+            <a:endCxn id="31" idx="2"/>
+          </p:cNvCxnSpPr>
+          <p:nvPr/>
+        </p:nvCxnSpPr>
+        <p:spPr>
+          <a:xfrm flipV="1">
+            <a:off x="4775445" y="4976198"/>
+            <a:ext cx="0" cy="619156"/>
+          </a:xfrm>
+          <a:prstGeom prst="straightConnector1">
+            <a:avLst/>
+          </a:prstGeom>
+          <a:ln w="25400">
+            <a:solidFill>
+              <a:schemeClr val="tx1"/>
+            </a:solidFill>
+            <a:tailEnd type="triangle"/>
+          </a:ln>
+        </p:spPr>
+        <p:style>
+          <a:lnRef idx="1">
+            <a:schemeClr val="accent1"/>
+          </a:lnRef>
+          <a:fillRef idx="0">
+            <a:schemeClr val="accent1"/>
+          </a:fillRef>
+          <a:effectRef idx="0">
+            <a:schemeClr val="accent1"/>
+          </a:effectRef>
+          <a:fontRef idx="minor">
+            <a:schemeClr val="tx1"/>
+          </a:fontRef>
+        </p:style>
+      </p:cxnSp>
+      <p:cxnSp>
+        <p:nvCxnSpPr>
+          <p:cNvPr id="46" name="Gewinkelte Verbindung 36"/>
+          <p:cNvCxnSpPr>
+            <a:stCxn id="35" idx="0"/>
+            <a:endCxn id="29" idx="2"/>
+          </p:cNvCxnSpPr>
+          <p:nvPr/>
+        </p:nvCxnSpPr>
+        <p:spPr>
+          <a:xfrm flipV="1">
+            <a:off x="6528732" y="4976198"/>
+            <a:ext cx="1" cy="619156"/>
+          </a:xfrm>
+          <a:prstGeom prst="straightConnector1">
+            <a:avLst/>
+          </a:prstGeom>
+          <a:ln w="25400">
+            <a:solidFill>
+              <a:schemeClr val="tx1"/>
+            </a:solidFill>
+            <a:tailEnd type="triangle"/>
+          </a:ln>
+        </p:spPr>
+        <p:style>
+          <a:lnRef idx="1">
+            <a:schemeClr val="accent1"/>
+          </a:lnRef>
+          <a:fillRef idx="0">
+            <a:schemeClr val="accent1"/>
+          </a:fillRef>
+          <a:effectRef idx="0">
+            <a:schemeClr val="accent1"/>
+          </a:effectRef>
+          <a:fontRef idx="minor">
+            <a:schemeClr val="tx1"/>
+          </a:fontRef>
+        </p:style>
+      </p:cxnSp>
+      <p:cxnSp>
+        <p:nvCxnSpPr>
+          <p:cNvPr id="49" name="Gewinkelte Verbindung 36"/>
+          <p:cNvCxnSpPr>
+            <a:stCxn id="34" idx="0"/>
+            <a:endCxn id="30" idx="2"/>
+          </p:cNvCxnSpPr>
+          <p:nvPr/>
+        </p:nvCxnSpPr>
+        <p:spPr>
+          <a:xfrm flipV="1">
+            <a:off x="8282021" y="4976199"/>
+            <a:ext cx="1" cy="619155"/>
+          </a:xfrm>
+          <a:prstGeom prst="straightConnector1">
+            <a:avLst/>
+          </a:prstGeom>
+          <a:ln w="25400">
+            <a:solidFill>
+              <a:schemeClr val="tx1"/>
+            </a:solidFill>
+            <a:tailEnd type="triangle"/>
+          </a:ln>
+        </p:spPr>
+        <p:style>
+          <a:lnRef idx="1">
+            <a:schemeClr val="accent1"/>
+          </a:lnRef>
+          <a:fillRef idx="0">
+            <a:schemeClr val="accent1"/>
+          </a:fillRef>
+          <a:effectRef idx="0">
+            <a:schemeClr val="accent1"/>
+          </a:effectRef>
+          <a:fontRef idx="minor">
+            <a:schemeClr val="tx1"/>
+          </a:fontRef>
+        </p:style>
+      </p:cxnSp>
+    </p:spTree>
+    <p:extLst>
+      <p:ext uri="{BB962C8B-B14F-4D97-AF65-F5344CB8AC3E}">
+        <p14:creationId xmlns:p14="http://schemas.microsoft.com/office/powerpoint/2010/main" val="3549049131"/>
       </p:ext>
     </p:extLst>
   </p:cSld>
